--- a/수업/ppt/2. HTML.pptx
+++ b/수업/ppt/2. HTML.pptx
@@ -10,6 +10,20 @@
     <p:sldId id="259" r:id="rId4"/>
     <p:sldId id="260" r:id="rId5"/>
     <p:sldId id="258" r:id="rId6"/>
+    <p:sldId id="262" r:id="rId7"/>
+    <p:sldId id="261" r:id="rId8"/>
+    <p:sldId id="264" r:id="rId9"/>
+    <p:sldId id="263" r:id="rId10"/>
+    <p:sldId id="265" r:id="rId11"/>
+    <p:sldId id="266" r:id="rId12"/>
+    <p:sldId id="267" r:id="rId13"/>
+    <p:sldId id="268" r:id="rId14"/>
+    <p:sldId id="270" r:id="rId15"/>
+    <p:sldId id="269" r:id="rId16"/>
+    <p:sldId id="271" r:id="rId17"/>
+    <p:sldId id="272" r:id="rId18"/>
+    <p:sldId id="273" r:id="rId19"/>
+    <p:sldId id="274" r:id="rId20"/>
   </p:sldIdLst>
   <p:sldSz cx="12192000" cy="6858000"/>
   <p:notesSz cx="6858000" cy="9144000"/>
@@ -108,6 +122,11 @@
       </a:defRPr>
     </a:lvl9pPr>
   </p:defaultTextStyle>
+  <p:extLst>
+    <p:ext uri="{EFAFB233-063F-42B5-8137-9DF3F51BA10A}">
+      <p15:sldGuideLst xmlns:p15="http://schemas.microsoft.com/office/powerpoint/2012/main"/>
+    </p:ext>
+  </p:extLst>
 </p:presentation>
 </file>
 
@@ -3367,6 +3386,2093 @@
 </p:sld>
 </file>
 
+<file path=ppt/slides/slide10.xml><?xml version="1.0" encoding="utf-8"?>
+<p:sld xmlns:a="http://schemas.openxmlformats.org/drawingml/2006/main" xmlns:r="http://schemas.openxmlformats.org/officeDocument/2006/relationships" xmlns:p="http://schemas.openxmlformats.org/presentationml/2006/main">
+  <p:cSld>
+    <p:spTree>
+      <p:nvGrpSpPr>
+        <p:cNvPr id="1" name=""/>
+        <p:cNvGrpSpPr/>
+        <p:nvPr/>
+      </p:nvGrpSpPr>
+      <p:grpSpPr>
+        <a:xfrm>
+          <a:off x="0" y="0"/>
+          <a:ext cx="0" cy="0"/>
+          <a:chOff x="0" y="0"/>
+          <a:chExt cx="0" cy="0"/>
+        </a:xfrm>
+      </p:grpSpPr>
+      <p:sp>
+        <p:nvSpPr>
+          <p:cNvPr id="3" name="내용 개체 틀 2">
+            <a:extLst>
+              <a:ext uri="{FF2B5EF4-FFF2-40B4-BE49-F238E27FC236}">
+                <a16:creationId xmlns:a16="http://schemas.microsoft.com/office/drawing/2014/main" id="{E8E60079-87D3-47E9-BA18-F0E79C16B37D}"/>
+              </a:ext>
+            </a:extLst>
+          </p:cNvPr>
+          <p:cNvSpPr>
+            <a:spLocks noGrp="1"/>
+          </p:cNvSpPr>
+          <p:nvPr>
+            <p:ph idx="1"/>
+          </p:nvPr>
+        </p:nvSpPr>
+        <p:spPr>
+          <a:xfrm>
+            <a:off x="838200" y="3419061"/>
+            <a:ext cx="10515600" cy="1245703"/>
+          </a:xfrm>
+        </p:spPr>
+        <p:txBody>
+          <a:bodyPr>
+            <a:normAutofit/>
+          </a:bodyPr>
+          <a:lstStyle/>
+          <a:p>
+            <a:r>
+              <a:rPr lang="ko-KR" altLang="en-US"/>
+              <a:t>큰 글자 입력할 때 사용</a:t>
+            </a:r>
+            <a:endParaRPr lang="en-US" altLang="ko-KR"/>
+          </a:p>
+          <a:p>
+            <a:r>
+              <a:rPr lang="en-US" altLang="ko-KR"/>
+              <a:t>&lt;h6&gt; </a:t>
+            </a:r>
+            <a:r>
+              <a:rPr lang="ko-KR" altLang="en-US"/>
+              <a:t>까지 있는데 거의 </a:t>
+            </a:r>
+            <a:r>
+              <a:rPr lang="en-US" altLang="ko-KR"/>
+              <a:t>&lt;h2&gt;</a:t>
+            </a:r>
+            <a:r>
+              <a:rPr lang="ko-KR" altLang="en-US"/>
+              <a:t>까지만 사용</a:t>
+            </a:r>
+          </a:p>
+        </p:txBody>
+      </p:sp>
+      <p:pic>
+        <p:nvPicPr>
+          <p:cNvPr id="10" name="그림 9">
+            <a:extLst>
+              <a:ext uri="{FF2B5EF4-FFF2-40B4-BE49-F238E27FC236}">
+                <a16:creationId xmlns:a16="http://schemas.microsoft.com/office/drawing/2014/main" id="{80010CC6-12CD-4688-9BB1-3AD7CB6D9708}"/>
+              </a:ext>
+            </a:extLst>
+          </p:cNvPr>
+          <p:cNvPicPr>
+            <a:picLocks noChangeAspect="1"/>
+          </p:cNvPicPr>
+          <p:nvPr/>
+        </p:nvPicPr>
+        <p:blipFill>
+          <a:blip r:embed="rId2"/>
+          <a:stretch>
+            <a:fillRect/>
+          </a:stretch>
+        </p:blipFill>
+        <p:spPr>
+          <a:xfrm>
+            <a:off x="8020050" y="4664764"/>
+            <a:ext cx="3333750" cy="1381125"/>
+          </a:xfrm>
+          <a:prstGeom prst="rect">
+            <a:avLst/>
+          </a:prstGeom>
+        </p:spPr>
+      </p:pic>
+      <p:pic>
+        <p:nvPicPr>
+          <p:cNvPr id="12" name="그림 11">
+            <a:extLst>
+              <a:ext uri="{FF2B5EF4-FFF2-40B4-BE49-F238E27FC236}">
+                <a16:creationId xmlns:a16="http://schemas.microsoft.com/office/drawing/2014/main" id="{E41FA6E9-CB74-47C7-800F-028337756A1B}"/>
+              </a:ext>
+            </a:extLst>
+          </p:cNvPr>
+          <p:cNvPicPr>
+            <a:picLocks noChangeAspect="1"/>
+          </p:cNvPicPr>
+          <p:nvPr/>
+        </p:nvPicPr>
+        <p:blipFill>
+          <a:blip r:embed="rId3"/>
+          <a:stretch>
+            <a:fillRect/>
+          </a:stretch>
+        </p:blipFill>
+        <p:spPr>
+          <a:xfrm>
+            <a:off x="675447" y="883342"/>
+            <a:ext cx="10506075" cy="1800225"/>
+          </a:xfrm>
+          <a:prstGeom prst="rect">
+            <a:avLst/>
+          </a:prstGeom>
+        </p:spPr>
+      </p:pic>
+    </p:spTree>
+    <p:extLst>
+      <p:ext uri="{BB962C8B-B14F-4D97-AF65-F5344CB8AC3E}">
+        <p14:creationId xmlns:p14="http://schemas.microsoft.com/office/powerpoint/2010/main" val="2254445507"/>
+      </p:ext>
+    </p:extLst>
+  </p:cSld>
+  <p:clrMapOvr>
+    <a:masterClrMapping/>
+  </p:clrMapOvr>
+</p:sld>
+</file>
+
+<file path=ppt/slides/slide11.xml><?xml version="1.0" encoding="utf-8"?>
+<p:sld xmlns:a="http://schemas.openxmlformats.org/drawingml/2006/main" xmlns:r="http://schemas.openxmlformats.org/officeDocument/2006/relationships" xmlns:p="http://schemas.openxmlformats.org/presentationml/2006/main">
+  <p:cSld>
+    <p:spTree>
+      <p:nvGrpSpPr>
+        <p:cNvPr id="1" name=""/>
+        <p:cNvGrpSpPr/>
+        <p:nvPr/>
+      </p:nvGrpSpPr>
+      <p:grpSpPr>
+        <a:xfrm>
+          <a:off x="0" y="0"/>
+          <a:ext cx="0" cy="0"/>
+          <a:chOff x="0" y="0"/>
+          <a:chExt cx="0" cy="0"/>
+        </a:xfrm>
+      </p:grpSpPr>
+      <p:sp>
+        <p:nvSpPr>
+          <p:cNvPr id="3" name="내용 개체 틀 2">
+            <a:extLst>
+              <a:ext uri="{FF2B5EF4-FFF2-40B4-BE49-F238E27FC236}">
+                <a16:creationId xmlns:a16="http://schemas.microsoft.com/office/drawing/2014/main" id="{EAA32301-FE4F-467D-9710-B340326B48E7}"/>
+              </a:ext>
+            </a:extLst>
+          </p:cNvPr>
+          <p:cNvSpPr>
+            <a:spLocks noGrp="1"/>
+          </p:cNvSpPr>
+          <p:nvPr>
+            <p:ph idx="1"/>
+          </p:nvPr>
+        </p:nvSpPr>
+        <p:spPr>
+          <a:xfrm>
+            <a:off x="414131" y="3637722"/>
+            <a:ext cx="10515600" cy="2896427"/>
+          </a:xfrm>
+        </p:spPr>
+        <p:txBody>
+          <a:bodyPr>
+            <a:normAutofit/>
+          </a:bodyPr>
+          <a:lstStyle/>
+          <a:p>
+            <a:r>
+              <a:rPr lang="en-US" altLang="ko-KR"/>
+              <a:t>&lt;image&gt; </a:t>
+            </a:r>
+            <a:r>
+              <a:rPr lang="ko-KR" altLang="en-US"/>
+              <a:t>아님</a:t>
+            </a:r>
+            <a:r>
+              <a:rPr lang="en-US" altLang="ko-KR"/>
+              <a:t>!!!</a:t>
+            </a:r>
+          </a:p>
+          <a:p>
+            <a:r>
+              <a:rPr lang="ko-KR" altLang="en-US"/>
+              <a:t>닫는 태그 없음</a:t>
+            </a:r>
+            <a:endParaRPr lang="en-US" altLang="ko-KR"/>
+          </a:p>
+          <a:p>
+            <a:r>
+              <a:rPr lang="en-US" altLang="ko-KR"/>
+              <a:t>src</a:t>
+            </a:r>
+            <a:r>
+              <a:rPr lang="ko-KR" altLang="en-US"/>
+              <a:t>는 </a:t>
+            </a:r>
+            <a:r>
+              <a:rPr lang="en-US" altLang="ko-KR"/>
+              <a:t>source, </a:t>
+            </a:r>
+            <a:r>
+              <a:rPr lang="ko-KR" altLang="en-US"/>
+              <a:t>즉 이미지가 저장된 경로</a:t>
+            </a:r>
+            <a:endParaRPr lang="en-US" altLang="ko-KR"/>
+          </a:p>
+          <a:p>
+            <a:r>
+              <a:rPr lang="ko-KR" altLang="en-US"/>
+              <a:t>다운받은 이미지를 서버에서 경로 붙여 사용</a:t>
+            </a:r>
+            <a:endParaRPr lang="en-US" altLang="ko-KR"/>
+          </a:p>
+          <a:p>
+            <a:r>
+              <a:rPr lang="ko-KR" altLang="en-US"/>
+              <a:t>또는 웹 이미지를 </a:t>
+            </a:r>
+            <a:r>
+              <a:rPr lang="en-US" altLang="ko-KR"/>
+              <a:t>https:// </a:t>
+            </a:r>
+            <a:r>
+              <a:rPr lang="ko-KR" altLang="en-US"/>
+              <a:t>주소로 입력해 사용</a:t>
+            </a:r>
+            <a:endParaRPr lang="en-US" altLang="ko-KR"/>
+          </a:p>
+          <a:p>
+            <a:endParaRPr lang="ko-KR" altLang="en-US"/>
+          </a:p>
+        </p:txBody>
+      </p:sp>
+      <p:pic>
+        <p:nvPicPr>
+          <p:cNvPr id="5" name="그림 4">
+            <a:extLst>
+              <a:ext uri="{FF2B5EF4-FFF2-40B4-BE49-F238E27FC236}">
+                <a16:creationId xmlns:a16="http://schemas.microsoft.com/office/drawing/2014/main" id="{F45EEFFC-1FDB-412F-8F3C-DCE43765E089}"/>
+              </a:ext>
+            </a:extLst>
+          </p:cNvPr>
+          <p:cNvPicPr>
+            <a:picLocks noChangeAspect="1"/>
+          </p:cNvPicPr>
+          <p:nvPr/>
+        </p:nvPicPr>
+        <p:blipFill>
+          <a:blip r:embed="rId2"/>
+          <a:stretch>
+            <a:fillRect/>
+          </a:stretch>
+        </p:blipFill>
+        <p:spPr>
+          <a:xfrm>
+            <a:off x="523461" y="505742"/>
+            <a:ext cx="8106056" cy="2714536"/>
+          </a:xfrm>
+          <a:prstGeom prst="rect">
+            <a:avLst/>
+          </a:prstGeom>
+        </p:spPr>
+      </p:pic>
+      <p:pic>
+        <p:nvPicPr>
+          <p:cNvPr id="11" name="그림 10">
+            <a:extLst>
+              <a:ext uri="{FF2B5EF4-FFF2-40B4-BE49-F238E27FC236}">
+                <a16:creationId xmlns:a16="http://schemas.microsoft.com/office/drawing/2014/main" id="{C07F0E92-7BCB-42D0-8BE8-1A6676B03585}"/>
+              </a:ext>
+            </a:extLst>
+          </p:cNvPr>
+          <p:cNvPicPr>
+            <a:picLocks noChangeAspect="1"/>
+          </p:cNvPicPr>
+          <p:nvPr/>
+        </p:nvPicPr>
+        <p:blipFill>
+          <a:blip r:embed="rId3"/>
+          <a:stretch>
+            <a:fillRect/>
+          </a:stretch>
+        </p:blipFill>
+        <p:spPr>
+          <a:xfrm>
+            <a:off x="8289111" y="4452730"/>
+            <a:ext cx="3677601" cy="2081420"/>
+          </a:xfrm>
+          <a:prstGeom prst="rect">
+            <a:avLst/>
+          </a:prstGeom>
+        </p:spPr>
+      </p:pic>
+      <p:pic>
+        <p:nvPicPr>
+          <p:cNvPr id="13" name="그림 12">
+            <a:extLst>
+              <a:ext uri="{FF2B5EF4-FFF2-40B4-BE49-F238E27FC236}">
+                <a16:creationId xmlns:a16="http://schemas.microsoft.com/office/drawing/2014/main" id="{6D216392-6D2F-4F67-90DD-D6B519ED6EB4}"/>
+              </a:ext>
+            </a:extLst>
+          </p:cNvPr>
+          <p:cNvPicPr>
+            <a:picLocks noChangeAspect="1"/>
+          </p:cNvPicPr>
+          <p:nvPr/>
+        </p:nvPicPr>
+        <p:blipFill>
+          <a:blip r:embed="rId4"/>
+          <a:stretch>
+            <a:fillRect/>
+          </a:stretch>
+        </p:blipFill>
+        <p:spPr>
+          <a:xfrm>
+            <a:off x="3993874" y="1368067"/>
+            <a:ext cx="1447800" cy="561975"/>
+          </a:xfrm>
+          <a:prstGeom prst="rect">
+            <a:avLst/>
+          </a:prstGeom>
+        </p:spPr>
+      </p:pic>
+      <p:sp>
+        <p:nvSpPr>
+          <p:cNvPr id="14" name="직사각형 13">
+            <a:extLst>
+              <a:ext uri="{FF2B5EF4-FFF2-40B4-BE49-F238E27FC236}">
+                <a16:creationId xmlns:a16="http://schemas.microsoft.com/office/drawing/2014/main" id="{5F1E608C-72C9-42FF-B5BE-8EE088D907A9}"/>
+              </a:ext>
+            </a:extLst>
+          </p:cNvPr>
+          <p:cNvSpPr/>
+          <p:nvPr/>
+        </p:nvSpPr>
+        <p:spPr>
+          <a:xfrm>
+            <a:off x="3993874" y="1435100"/>
+            <a:ext cx="1447800" cy="427910"/>
+          </a:xfrm>
+          <a:prstGeom prst="rect">
+            <a:avLst/>
+          </a:prstGeom>
+          <a:noFill/>
+        </p:spPr>
+        <p:style>
+          <a:lnRef idx="2">
+            <a:schemeClr val="accent1">
+              <a:shade val="50000"/>
+            </a:schemeClr>
+          </a:lnRef>
+          <a:fillRef idx="1">
+            <a:schemeClr val="accent1"/>
+          </a:fillRef>
+          <a:effectRef idx="0">
+            <a:schemeClr val="accent1"/>
+          </a:effectRef>
+          <a:fontRef idx="minor">
+            <a:schemeClr val="lt1"/>
+          </a:fontRef>
+        </p:style>
+        <p:txBody>
+          <a:bodyPr rtlCol="0" anchor="ctr"/>
+          <a:lstStyle/>
+          <a:p>
+            <a:pPr algn="ctr"/>
+            <a:endParaRPr lang="ko-KR" altLang="en-US"/>
+          </a:p>
+        </p:txBody>
+      </p:sp>
+      <p:pic>
+        <p:nvPicPr>
+          <p:cNvPr id="16" name="그림 15">
+            <a:extLst>
+              <a:ext uri="{FF2B5EF4-FFF2-40B4-BE49-F238E27FC236}">
+                <a16:creationId xmlns:a16="http://schemas.microsoft.com/office/drawing/2014/main" id="{F6AD5EA5-5EF4-44E1-A976-4D32A2EE6667}"/>
+              </a:ext>
+            </a:extLst>
+          </p:cNvPr>
+          <p:cNvPicPr>
+            <a:picLocks noChangeAspect="1"/>
+          </p:cNvPicPr>
+          <p:nvPr/>
+        </p:nvPicPr>
+        <p:blipFill>
+          <a:blip r:embed="rId5"/>
+          <a:stretch>
+            <a:fillRect/>
+          </a:stretch>
+        </p:blipFill>
+        <p:spPr>
+          <a:xfrm>
+            <a:off x="7616047" y="1485900"/>
+            <a:ext cx="3559953" cy="725488"/>
+          </a:xfrm>
+          <a:prstGeom prst="rect">
+            <a:avLst/>
+          </a:prstGeom>
+        </p:spPr>
+      </p:pic>
+    </p:spTree>
+    <p:extLst>
+      <p:ext uri="{BB962C8B-B14F-4D97-AF65-F5344CB8AC3E}">
+        <p14:creationId xmlns:p14="http://schemas.microsoft.com/office/powerpoint/2010/main" val="1026254584"/>
+      </p:ext>
+    </p:extLst>
+  </p:cSld>
+  <p:clrMapOvr>
+    <a:masterClrMapping/>
+  </p:clrMapOvr>
+</p:sld>
+</file>
+
+<file path=ppt/slides/slide12.xml><?xml version="1.0" encoding="utf-8"?>
+<p:sld xmlns:a="http://schemas.openxmlformats.org/drawingml/2006/main" xmlns:r="http://schemas.openxmlformats.org/officeDocument/2006/relationships" xmlns:p="http://schemas.openxmlformats.org/presentationml/2006/main">
+  <p:cSld>
+    <p:spTree>
+      <p:nvGrpSpPr>
+        <p:cNvPr id="1" name=""/>
+        <p:cNvGrpSpPr/>
+        <p:nvPr/>
+      </p:nvGrpSpPr>
+      <p:grpSpPr>
+        <a:xfrm>
+          <a:off x="0" y="0"/>
+          <a:ext cx="0" cy="0"/>
+          <a:chOff x="0" y="0"/>
+          <a:chExt cx="0" cy="0"/>
+        </a:xfrm>
+      </p:grpSpPr>
+      <p:sp>
+        <p:nvSpPr>
+          <p:cNvPr id="3" name="내용 개체 틀 2">
+            <a:extLst>
+              <a:ext uri="{FF2B5EF4-FFF2-40B4-BE49-F238E27FC236}">
+                <a16:creationId xmlns:a16="http://schemas.microsoft.com/office/drawing/2014/main" id="{F7C48B0F-E504-42D0-AA40-2D34F343733A}"/>
+              </a:ext>
+            </a:extLst>
+          </p:cNvPr>
+          <p:cNvSpPr>
+            <a:spLocks noGrp="1"/>
+          </p:cNvSpPr>
+          <p:nvPr>
+            <p:ph idx="1"/>
+          </p:nvPr>
+        </p:nvSpPr>
+        <p:spPr>
+          <a:xfrm>
+            <a:off x="771453" y="3898899"/>
+            <a:ext cx="10515600" cy="2371295"/>
+          </a:xfrm>
+        </p:spPr>
+        <p:txBody>
+          <a:bodyPr>
+            <a:normAutofit/>
+          </a:bodyPr>
+          <a:lstStyle/>
+          <a:p>
+            <a:r>
+              <a:rPr lang="ko-KR" altLang="en-US"/>
+              <a:t>리스트를 출력할 때 사용</a:t>
+            </a:r>
+            <a:endParaRPr lang="en-US" altLang="ko-KR"/>
+          </a:p>
+          <a:p>
+            <a:r>
+              <a:rPr lang="en-US" altLang="ko-KR"/>
+              <a:t>&lt;ul&gt; </a:t>
+            </a:r>
+            <a:r>
+              <a:rPr lang="ko-KR" altLang="en-US"/>
+              <a:t>안에 여러 개 </a:t>
+            </a:r>
+            <a:r>
+              <a:rPr lang="en-US" altLang="ko-KR"/>
+              <a:t>&lt;li&gt; </a:t>
+            </a:r>
+            <a:r>
+              <a:rPr lang="ko-KR" altLang="en-US"/>
+              <a:t>사용</a:t>
+            </a:r>
+            <a:endParaRPr lang="en-US" altLang="ko-KR"/>
+          </a:p>
+          <a:p>
+            <a:r>
+              <a:rPr lang="ko-KR" altLang="en-US"/>
+              <a:t>번호를 붙이고 싶으면 </a:t>
+            </a:r>
+            <a:r>
+              <a:rPr lang="en-US" altLang="ko-KR"/>
+              <a:t>&lt;ul&gt; </a:t>
+            </a:r>
+            <a:r>
+              <a:rPr lang="ko-KR" altLang="en-US"/>
+              <a:t>대신 </a:t>
+            </a:r>
+            <a:r>
+              <a:rPr lang="en-US" altLang="ko-KR"/>
+              <a:t>&lt;ol&gt;</a:t>
+            </a:r>
+            <a:endParaRPr lang="ko-KR" altLang="en-US"/>
+          </a:p>
+        </p:txBody>
+      </p:sp>
+      <p:pic>
+        <p:nvPicPr>
+          <p:cNvPr id="5" name="그림 4">
+            <a:extLst>
+              <a:ext uri="{FF2B5EF4-FFF2-40B4-BE49-F238E27FC236}">
+                <a16:creationId xmlns:a16="http://schemas.microsoft.com/office/drawing/2014/main" id="{7903ECA5-E571-470C-B8AE-2283BFD16935}"/>
+              </a:ext>
+            </a:extLst>
+          </p:cNvPr>
+          <p:cNvPicPr>
+            <a:picLocks noChangeAspect="1"/>
+          </p:cNvPicPr>
+          <p:nvPr/>
+        </p:nvPicPr>
+        <p:blipFill>
+          <a:blip r:embed="rId2"/>
+          <a:stretch>
+            <a:fillRect/>
+          </a:stretch>
+        </p:blipFill>
+        <p:spPr>
+          <a:xfrm>
+            <a:off x="838200" y="587806"/>
+            <a:ext cx="10382107" cy="2841194"/>
+          </a:xfrm>
+          <a:prstGeom prst="rect">
+            <a:avLst/>
+          </a:prstGeom>
+        </p:spPr>
+      </p:pic>
+      <p:pic>
+        <p:nvPicPr>
+          <p:cNvPr id="9" name="그림 8">
+            <a:extLst>
+              <a:ext uri="{FF2B5EF4-FFF2-40B4-BE49-F238E27FC236}">
+                <a16:creationId xmlns:a16="http://schemas.microsoft.com/office/drawing/2014/main" id="{524E64CD-EC88-40E4-B90B-7C0D9017FB26}"/>
+              </a:ext>
+            </a:extLst>
+          </p:cNvPr>
+          <p:cNvPicPr>
+            <a:picLocks noChangeAspect="1"/>
+          </p:cNvPicPr>
+          <p:nvPr/>
+        </p:nvPicPr>
+        <p:blipFill>
+          <a:blip r:embed="rId3"/>
+          <a:stretch>
+            <a:fillRect/>
+          </a:stretch>
+        </p:blipFill>
+        <p:spPr>
+          <a:xfrm>
+            <a:off x="7747000" y="5488064"/>
+            <a:ext cx="4445000" cy="1252029"/>
+          </a:xfrm>
+          <a:prstGeom prst="rect">
+            <a:avLst/>
+          </a:prstGeom>
+        </p:spPr>
+      </p:pic>
+    </p:spTree>
+    <p:extLst>
+      <p:ext uri="{BB962C8B-B14F-4D97-AF65-F5344CB8AC3E}">
+        <p14:creationId xmlns:p14="http://schemas.microsoft.com/office/powerpoint/2010/main" val="3541134117"/>
+      </p:ext>
+    </p:extLst>
+  </p:cSld>
+  <p:clrMapOvr>
+    <a:masterClrMapping/>
+  </p:clrMapOvr>
+</p:sld>
+</file>
+
+<file path=ppt/slides/slide13.xml><?xml version="1.0" encoding="utf-8"?>
+<p:sld xmlns:a="http://schemas.openxmlformats.org/drawingml/2006/main" xmlns:r="http://schemas.openxmlformats.org/officeDocument/2006/relationships" xmlns:p="http://schemas.openxmlformats.org/presentationml/2006/main">
+  <p:cSld>
+    <p:spTree>
+      <p:nvGrpSpPr>
+        <p:cNvPr id="1" name=""/>
+        <p:cNvGrpSpPr/>
+        <p:nvPr/>
+      </p:nvGrpSpPr>
+      <p:grpSpPr>
+        <a:xfrm>
+          <a:off x="0" y="0"/>
+          <a:ext cx="0" cy="0"/>
+          <a:chOff x="0" y="0"/>
+          <a:chExt cx="0" cy="0"/>
+        </a:xfrm>
+      </p:grpSpPr>
+      <p:pic>
+        <p:nvPicPr>
+          <p:cNvPr id="13" name="그림 12">
+            <a:extLst>
+              <a:ext uri="{FF2B5EF4-FFF2-40B4-BE49-F238E27FC236}">
+                <a16:creationId xmlns:a16="http://schemas.microsoft.com/office/drawing/2014/main" id="{DF8AAEC9-635F-41E7-AA90-EE20709BE39E}"/>
+              </a:ext>
+            </a:extLst>
+          </p:cNvPr>
+          <p:cNvPicPr>
+            <a:picLocks noChangeAspect="1"/>
+          </p:cNvPicPr>
+          <p:nvPr/>
+        </p:nvPicPr>
+        <p:blipFill>
+          <a:blip r:embed="rId2"/>
+          <a:stretch>
+            <a:fillRect/>
+          </a:stretch>
+        </p:blipFill>
+        <p:spPr>
+          <a:xfrm>
+            <a:off x="549274" y="293686"/>
+            <a:ext cx="8886201" cy="3478214"/>
+          </a:xfrm>
+          <a:prstGeom prst="rect">
+            <a:avLst/>
+          </a:prstGeom>
+        </p:spPr>
+      </p:pic>
+      <p:sp>
+        <p:nvSpPr>
+          <p:cNvPr id="3" name="내용 개체 틀 2">
+            <a:extLst>
+              <a:ext uri="{FF2B5EF4-FFF2-40B4-BE49-F238E27FC236}">
+                <a16:creationId xmlns:a16="http://schemas.microsoft.com/office/drawing/2014/main" id="{CE4C3D15-F623-4B3A-A637-C181F6D5758A}"/>
+              </a:ext>
+            </a:extLst>
+          </p:cNvPr>
+          <p:cNvSpPr>
+            <a:spLocks noGrp="1"/>
+          </p:cNvSpPr>
+          <p:nvPr>
+            <p:ph idx="1"/>
+          </p:nvPr>
+        </p:nvSpPr>
+        <p:spPr>
+          <a:xfrm>
+            <a:off x="549274" y="3887786"/>
+            <a:ext cx="11274425" cy="2690814"/>
+          </a:xfrm>
+        </p:spPr>
+        <p:txBody>
+          <a:bodyPr>
+            <a:normAutofit/>
+          </a:bodyPr>
+          <a:lstStyle/>
+          <a:p>
+            <a:r>
+              <a:rPr lang="ko-KR" altLang="en-US" sz="2400"/>
+              <a:t>닫는 태그 없음</a:t>
+            </a:r>
+            <a:endParaRPr lang="en-US" altLang="ko-KR" sz="2400"/>
+          </a:p>
+          <a:p>
+            <a:r>
+              <a:rPr lang="ko-KR" altLang="en-US" sz="2400"/>
+              <a:t>입력할 때 사용</a:t>
+            </a:r>
+            <a:endParaRPr lang="en-US" altLang="ko-KR" sz="2400"/>
+          </a:p>
+          <a:p>
+            <a:r>
+              <a:rPr lang="en-US" altLang="ko-KR" sz="2400"/>
+              <a:t>type</a:t>
+            </a:r>
+            <a:r>
+              <a:rPr lang="ko-KR" altLang="en-US" sz="2400"/>
+              <a:t>은 </a:t>
+            </a:r>
+            <a:r>
+              <a:rPr lang="en-US" altLang="ko-KR" sz="2400"/>
+              <a:t>text, password, checkbox, radio </a:t>
+            </a:r>
+            <a:r>
+              <a:rPr lang="ko-KR" altLang="en-US" sz="2400"/>
+              <a:t>등이 사용됨</a:t>
+            </a:r>
+            <a:endParaRPr lang="en-US" altLang="ko-KR" sz="2400"/>
+          </a:p>
+          <a:p>
+            <a:r>
+              <a:rPr lang="en-US" altLang="ko-KR" sz="2400"/>
+              <a:t>placeholder</a:t>
+            </a:r>
+            <a:r>
+              <a:rPr lang="ko-KR" altLang="en-US" sz="2400"/>
+              <a:t> 아무것도 입력하지 않았을 때 기본적으로 뜨는 문구</a:t>
+            </a:r>
+            <a:endParaRPr lang="en-US" altLang="ko-KR" sz="2400"/>
+          </a:p>
+          <a:p>
+            <a:r>
+              <a:rPr lang="en-US" altLang="ko-KR" sz="2400"/>
+              <a:t>&lt;label&gt; </a:t>
+            </a:r>
+            <a:r>
+              <a:rPr lang="ko-KR" altLang="en-US" sz="2400"/>
+              <a:t>은 </a:t>
+            </a:r>
+            <a:r>
+              <a:rPr lang="en-US" altLang="ko-KR" sz="2400"/>
+              <a:t>&lt;input&gt; </a:t>
+            </a:r>
+            <a:r>
+              <a:rPr lang="ko-KR" altLang="en-US" sz="2400"/>
+              <a:t>을 설명하는 텍스트이며</a:t>
+            </a:r>
+            <a:r>
+              <a:rPr lang="en-US" altLang="ko-KR" sz="2400"/>
+              <a:t>, id</a:t>
+            </a:r>
+            <a:r>
+              <a:rPr lang="ko-KR" altLang="en-US" sz="2400"/>
+              <a:t>와 </a:t>
+            </a:r>
+            <a:r>
+              <a:rPr lang="en-US" altLang="ko-KR" sz="2400"/>
+              <a:t>for</a:t>
+            </a:r>
+            <a:r>
+              <a:rPr lang="ko-KR" altLang="en-US" sz="2400"/>
+              <a:t>를 일치시켜 연결</a:t>
+            </a:r>
+            <a:endParaRPr lang="en-US" altLang="ko-KR" sz="2400"/>
+          </a:p>
+          <a:p>
+            <a:endParaRPr lang="ko-KR" altLang="en-US"/>
+          </a:p>
+        </p:txBody>
+      </p:sp>
+      <p:pic>
+        <p:nvPicPr>
+          <p:cNvPr id="7" name="그림 6">
+            <a:extLst>
+              <a:ext uri="{FF2B5EF4-FFF2-40B4-BE49-F238E27FC236}">
+                <a16:creationId xmlns:a16="http://schemas.microsoft.com/office/drawing/2014/main" id="{E69292EB-8F78-49B1-ADB0-9AF1F1BF53E6}"/>
+              </a:ext>
+            </a:extLst>
+          </p:cNvPr>
+          <p:cNvPicPr>
+            <a:picLocks noChangeAspect="1"/>
+          </p:cNvPicPr>
+          <p:nvPr/>
+        </p:nvPicPr>
+        <p:blipFill>
+          <a:blip r:embed="rId3"/>
+          <a:stretch>
+            <a:fillRect/>
+          </a:stretch>
+        </p:blipFill>
+        <p:spPr>
+          <a:xfrm>
+            <a:off x="6506895" y="2970214"/>
+            <a:ext cx="5135831" cy="655638"/>
+          </a:xfrm>
+          <a:prstGeom prst="rect">
+            <a:avLst/>
+          </a:prstGeom>
+        </p:spPr>
+      </p:pic>
+      <p:sp>
+        <p:nvSpPr>
+          <p:cNvPr id="10" name="직사각형 9">
+            <a:extLst>
+              <a:ext uri="{FF2B5EF4-FFF2-40B4-BE49-F238E27FC236}">
+                <a16:creationId xmlns:a16="http://schemas.microsoft.com/office/drawing/2014/main" id="{16931AD0-ADA7-4E52-BCEC-6415F1A28594}"/>
+              </a:ext>
+            </a:extLst>
+          </p:cNvPr>
+          <p:cNvSpPr/>
+          <p:nvPr/>
+        </p:nvSpPr>
+        <p:spPr>
+          <a:xfrm>
+            <a:off x="2222501" y="279400"/>
+            <a:ext cx="3873500" cy="655638"/>
+          </a:xfrm>
+          <a:prstGeom prst="rect">
+            <a:avLst/>
+          </a:prstGeom>
+          <a:solidFill>
+            <a:srgbClr val="4472C4">
+              <a:alpha val="20000"/>
+            </a:srgbClr>
+          </a:solidFill>
+        </p:spPr>
+        <p:style>
+          <a:lnRef idx="2">
+            <a:schemeClr val="accent1">
+              <a:shade val="50000"/>
+            </a:schemeClr>
+          </a:lnRef>
+          <a:fillRef idx="1">
+            <a:schemeClr val="accent1"/>
+          </a:fillRef>
+          <a:effectRef idx="0">
+            <a:schemeClr val="accent1"/>
+          </a:effectRef>
+          <a:fontRef idx="minor">
+            <a:schemeClr val="lt1"/>
+          </a:fontRef>
+        </p:style>
+        <p:txBody>
+          <a:bodyPr rtlCol="0" anchor="ctr"/>
+          <a:lstStyle/>
+          <a:p>
+            <a:pPr algn="ctr"/>
+            <a:endParaRPr lang="ko-KR" altLang="en-US"/>
+          </a:p>
+        </p:txBody>
+      </p:sp>
+      <p:sp>
+        <p:nvSpPr>
+          <p:cNvPr id="11" name="직사각형 10">
+            <a:extLst>
+              <a:ext uri="{FF2B5EF4-FFF2-40B4-BE49-F238E27FC236}">
+                <a16:creationId xmlns:a16="http://schemas.microsoft.com/office/drawing/2014/main" id="{9BC9D967-F072-44CE-8476-68A538C088F2}"/>
+              </a:ext>
+            </a:extLst>
+          </p:cNvPr>
+          <p:cNvSpPr/>
+          <p:nvPr/>
+        </p:nvSpPr>
+        <p:spPr>
+          <a:xfrm>
+            <a:off x="1016000" y="2642395"/>
+            <a:ext cx="3721101" cy="558005"/>
+          </a:xfrm>
+          <a:prstGeom prst="rect">
+            <a:avLst/>
+          </a:prstGeom>
+          <a:solidFill>
+            <a:srgbClr val="4472C4">
+              <a:alpha val="20000"/>
+            </a:srgbClr>
+          </a:solidFill>
+        </p:spPr>
+        <p:style>
+          <a:lnRef idx="2">
+            <a:schemeClr val="accent1">
+              <a:shade val="50000"/>
+            </a:schemeClr>
+          </a:lnRef>
+          <a:fillRef idx="1">
+            <a:schemeClr val="accent1"/>
+          </a:fillRef>
+          <a:effectRef idx="0">
+            <a:schemeClr val="accent1"/>
+          </a:effectRef>
+          <a:fontRef idx="minor">
+            <a:schemeClr val="lt1"/>
+          </a:fontRef>
+        </p:style>
+        <p:txBody>
+          <a:bodyPr rtlCol="0" anchor="ctr"/>
+          <a:lstStyle/>
+          <a:p>
+            <a:pPr algn="ctr"/>
+            <a:endParaRPr lang="ko-KR" altLang="en-US"/>
+          </a:p>
+        </p:txBody>
+      </p:sp>
+    </p:spTree>
+    <p:extLst>
+      <p:ext uri="{BB962C8B-B14F-4D97-AF65-F5344CB8AC3E}">
+        <p14:creationId xmlns:p14="http://schemas.microsoft.com/office/powerpoint/2010/main" val="2500268877"/>
+      </p:ext>
+    </p:extLst>
+  </p:cSld>
+  <p:clrMapOvr>
+    <a:masterClrMapping/>
+  </p:clrMapOvr>
+</p:sld>
+</file>
+
+<file path=ppt/slides/slide14.xml><?xml version="1.0" encoding="utf-8"?>
+<p:sld xmlns:a="http://schemas.openxmlformats.org/drawingml/2006/main" xmlns:r="http://schemas.openxmlformats.org/officeDocument/2006/relationships" xmlns:p="http://schemas.openxmlformats.org/presentationml/2006/main">
+  <p:cSld>
+    <p:spTree>
+      <p:nvGrpSpPr>
+        <p:cNvPr id="1" name=""/>
+        <p:cNvGrpSpPr/>
+        <p:nvPr/>
+      </p:nvGrpSpPr>
+      <p:grpSpPr>
+        <a:xfrm>
+          <a:off x="0" y="0"/>
+          <a:ext cx="0" cy="0"/>
+          <a:chOff x="0" y="0"/>
+          <a:chExt cx="0" cy="0"/>
+        </a:xfrm>
+      </p:grpSpPr>
+      <p:sp>
+        <p:nvSpPr>
+          <p:cNvPr id="3" name="내용 개체 틀 2">
+            <a:extLst>
+              <a:ext uri="{FF2B5EF4-FFF2-40B4-BE49-F238E27FC236}">
+                <a16:creationId xmlns:a16="http://schemas.microsoft.com/office/drawing/2014/main" id="{233D581D-300C-4FA1-B924-12A8F368E85C}"/>
+              </a:ext>
+            </a:extLst>
+          </p:cNvPr>
+          <p:cNvSpPr>
+            <a:spLocks noGrp="1"/>
+          </p:cNvSpPr>
+          <p:nvPr>
+            <p:ph idx="1"/>
+          </p:nvPr>
+        </p:nvSpPr>
+        <p:spPr/>
+        <p:txBody>
+          <a:bodyPr/>
+          <a:lstStyle/>
+          <a:p>
+            <a:r>
+              <a:rPr lang="ko-KR" altLang="en-US"/>
+              <a:t>비밀번호 입력을 원한다면</a:t>
+            </a:r>
+            <a:endParaRPr lang="en-US" altLang="ko-KR"/>
+          </a:p>
+          <a:p>
+            <a:r>
+              <a:rPr lang="en-US" altLang="ko-KR"/>
+              <a:t>type </a:t>
+            </a:r>
+            <a:r>
+              <a:rPr lang="ko-KR" altLang="en-US"/>
+              <a:t>을 </a:t>
+            </a:r>
+            <a:r>
+              <a:rPr lang="en-US" altLang="ko-KR"/>
+              <a:t>password </a:t>
+            </a:r>
+            <a:r>
+              <a:rPr lang="ko-KR" altLang="en-US"/>
+              <a:t>로 바꿔주면 된다</a:t>
+            </a:r>
+            <a:r>
+              <a:rPr lang="en-US" altLang="ko-KR"/>
+              <a:t>.</a:t>
+            </a:r>
+            <a:endParaRPr lang="ko-KR" altLang="en-US"/>
+          </a:p>
+        </p:txBody>
+      </p:sp>
+      <p:pic>
+        <p:nvPicPr>
+          <p:cNvPr id="5" name="그림 4">
+            <a:extLst>
+              <a:ext uri="{FF2B5EF4-FFF2-40B4-BE49-F238E27FC236}">
+                <a16:creationId xmlns:a16="http://schemas.microsoft.com/office/drawing/2014/main" id="{E237E243-354E-4991-B244-D6A6BF857E91}"/>
+              </a:ext>
+            </a:extLst>
+          </p:cNvPr>
+          <p:cNvPicPr>
+            <a:picLocks noChangeAspect="1"/>
+          </p:cNvPicPr>
+          <p:nvPr/>
+        </p:nvPicPr>
+        <p:blipFill>
+          <a:blip r:embed="rId2"/>
+          <a:stretch>
+            <a:fillRect/>
+          </a:stretch>
+        </p:blipFill>
+        <p:spPr>
+          <a:xfrm>
+            <a:off x="633826" y="512279"/>
+            <a:ext cx="8963025" cy="1009650"/>
+          </a:xfrm>
+          <a:prstGeom prst="rect">
+            <a:avLst/>
+          </a:prstGeom>
+        </p:spPr>
+      </p:pic>
+      <p:pic>
+        <p:nvPicPr>
+          <p:cNvPr id="7" name="그림 6">
+            <a:extLst>
+              <a:ext uri="{FF2B5EF4-FFF2-40B4-BE49-F238E27FC236}">
+                <a16:creationId xmlns:a16="http://schemas.microsoft.com/office/drawing/2014/main" id="{5D2F6CBA-2BCD-4C64-B30D-893045D13144}"/>
+              </a:ext>
+            </a:extLst>
+          </p:cNvPr>
+          <p:cNvPicPr>
+            <a:picLocks noChangeAspect="1"/>
+          </p:cNvPicPr>
+          <p:nvPr/>
+        </p:nvPicPr>
+        <p:blipFill>
+          <a:blip r:embed="rId3"/>
+          <a:stretch>
+            <a:fillRect/>
+          </a:stretch>
+        </p:blipFill>
+        <p:spPr>
+          <a:xfrm>
+            <a:off x="6217133" y="3646867"/>
+            <a:ext cx="5819189" cy="708853"/>
+          </a:xfrm>
+          <a:prstGeom prst="rect">
+            <a:avLst/>
+          </a:prstGeom>
+        </p:spPr>
+      </p:pic>
+    </p:spTree>
+    <p:extLst>
+      <p:ext uri="{BB962C8B-B14F-4D97-AF65-F5344CB8AC3E}">
+        <p14:creationId xmlns:p14="http://schemas.microsoft.com/office/powerpoint/2010/main" val="146296475"/>
+      </p:ext>
+    </p:extLst>
+  </p:cSld>
+  <p:clrMapOvr>
+    <a:masterClrMapping/>
+  </p:clrMapOvr>
+</p:sld>
+</file>
+
+<file path=ppt/slides/slide15.xml><?xml version="1.0" encoding="utf-8"?>
+<p:sld xmlns:a="http://schemas.openxmlformats.org/drawingml/2006/main" xmlns:r="http://schemas.openxmlformats.org/officeDocument/2006/relationships" xmlns:p="http://schemas.openxmlformats.org/presentationml/2006/main">
+  <p:cSld>
+    <p:spTree>
+      <p:nvGrpSpPr>
+        <p:cNvPr id="1" name=""/>
+        <p:cNvGrpSpPr/>
+        <p:nvPr/>
+      </p:nvGrpSpPr>
+      <p:grpSpPr>
+        <a:xfrm>
+          <a:off x="0" y="0"/>
+          <a:ext cx="0" cy="0"/>
+          <a:chOff x="0" y="0"/>
+          <a:chExt cx="0" cy="0"/>
+        </a:xfrm>
+      </p:grpSpPr>
+      <p:sp>
+        <p:nvSpPr>
+          <p:cNvPr id="3" name="내용 개체 틀 2">
+            <a:extLst>
+              <a:ext uri="{FF2B5EF4-FFF2-40B4-BE49-F238E27FC236}">
+                <a16:creationId xmlns:a16="http://schemas.microsoft.com/office/drawing/2014/main" id="{DC51C662-C2A0-4525-B7B6-76BEB0DEA976}"/>
+              </a:ext>
+            </a:extLst>
+          </p:cNvPr>
+          <p:cNvSpPr>
+            <a:spLocks noGrp="1"/>
+          </p:cNvSpPr>
+          <p:nvPr>
+            <p:ph idx="1"/>
+          </p:nvPr>
+        </p:nvSpPr>
+        <p:spPr>
+          <a:xfrm>
+            <a:off x="838200" y="3949699"/>
+            <a:ext cx="10515600" cy="2227263"/>
+          </a:xfrm>
+        </p:spPr>
+        <p:txBody>
+          <a:bodyPr/>
+          <a:lstStyle/>
+          <a:p>
+            <a:r>
+              <a:rPr lang="en-US" altLang="ko-KR"/>
+              <a:t>&lt;div&gt; </a:t>
+            </a:r>
+            <a:r>
+              <a:rPr lang="ko-KR" altLang="en-US"/>
+              <a:t>태그는 아무 의미 없이 한 줄을 차지할 때 사용</a:t>
+            </a:r>
+            <a:endParaRPr lang="en-US" altLang="ko-KR"/>
+          </a:p>
+          <a:p>
+            <a:pPr lvl="1"/>
+            <a:r>
+              <a:rPr lang="en-US" altLang="ko-KR"/>
+              <a:t>(</a:t>
+            </a:r>
+            <a:r>
+              <a:rPr lang="ko-KR" altLang="en-US"/>
+              <a:t>정말 많이 쓴다</a:t>
+            </a:r>
+            <a:r>
+              <a:rPr lang="en-US" altLang="ko-KR"/>
+              <a:t>!)</a:t>
+            </a:r>
+          </a:p>
+          <a:p>
+            <a:r>
+              <a:rPr lang="ko-KR" altLang="en-US"/>
+              <a:t>여기선 </a:t>
+            </a:r>
+            <a:r>
+              <a:rPr lang="en-US" altLang="ko-KR"/>
+              <a:t>input type </a:t>
+            </a:r>
+            <a:r>
+              <a:rPr lang="ko-KR" altLang="en-US"/>
+              <a:t>이 </a:t>
+            </a:r>
+            <a:r>
+              <a:rPr lang="en-US" altLang="ko-KR"/>
+              <a:t>checkbox </a:t>
+            </a:r>
+            <a:r>
+              <a:rPr lang="ko-KR" altLang="en-US"/>
+              <a:t>일 경우</a:t>
+            </a:r>
+          </a:p>
+        </p:txBody>
+      </p:sp>
+      <p:pic>
+        <p:nvPicPr>
+          <p:cNvPr id="5" name="그림 4">
+            <a:extLst>
+              <a:ext uri="{FF2B5EF4-FFF2-40B4-BE49-F238E27FC236}">
+                <a16:creationId xmlns:a16="http://schemas.microsoft.com/office/drawing/2014/main" id="{E8C3F01D-CD3A-41E6-A047-05A0DD2D6F20}"/>
+              </a:ext>
+            </a:extLst>
+          </p:cNvPr>
+          <p:cNvPicPr>
+            <a:picLocks noChangeAspect="1"/>
+          </p:cNvPicPr>
+          <p:nvPr/>
+        </p:nvPicPr>
+        <p:blipFill>
+          <a:blip r:embed="rId2"/>
+          <a:stretch>
+            <a:fillRect/>
+          </a:stretch>
+        </p:blipFill>
+        <p:spPr>
+          <a:xfrm>
+            <a:off x="728870" y="487493"/>
+            <a:ext cx="10515600" cy="1651089"/>
+          </a:xfrm>
+          <a:prstGeom prst="rect">
+            <a:avLst/>
+          </a:prstGeom>
+        </p:spPr>
+      </p:pic>
+      <p:pic>
+        <p:nvPicPr>
+          <p:cNvPr id="7" name="그림 6">
+            <a:extLst>
+              <a:ext uri="{FF2B5EF4-FFF2-40B4-BE49-F238E27FC236}">
+                <a16:creationId xmlns:a16="http://schemas.microsoft.com/office/drawing/2014/main" id="{38A91B8D-8136-4160-AA76-50BE64DE44CB}"/>
+              </a:ext>
+            </a:extLst>
+          </p:cNvPr>
+          <p:cNvPicPr>
+            <a:picLocks noChangeAspect="1"/>
+          </p:cNvPicPr>
+          <p:nvPr/>
+        </p:nvPicPr>
+        <p:blipFill>
+          <a:blip r:embed="rId3"/>
+          <a:stretch>
+            <a:fillRect/>
+          </a:stretch>
+        </p:blipFill>
+        <p:spPr>
+          <a:xfrm>
+            <a:off x="5062745" y="2566435"/>
+            <a:ext cx="6953250" cy="609600"/>
+          </a:xfrm>
+          <a:prstGeom prst="rect">
+            <a:avLst/>
+          </a:prstGeom>
+        </p:spPr>
+      </p:pic>
+      <p:sp>
+        <p:nvSpPr>
+          <p:cNvPr id="8" name="직사각형 7">
+            <a:extLst>
+              <a:ext uri="{FF2B5EF4-FFF2-40B4-BE49-F238E27FC236}">
+                <a16:creationId xmlns:a16="http://schemas.microsoft.com/office/drawing/2014/main" id="{BD89D4A8-A866-458D-B3B7-2436DDD53E52}"/>
+              </a:ext>
+            </a:extLst>
+          </p:cNvPr>
+          <p:cNvSpPr/>
+          <p:nvPr/>
+        </p:nvSpPr>
+        <p:spPr>
+          <a:xfrm>
+            <a:off x="5062745" y="2566435"/>
+            <a:ext cx="6953250" cy="609600"/>
+          </a:xfrm>
+          <a:prstGeom prst="rect">
+            <a:avLst/>
+          </a:prstGeom>
+          <a:noFill/>
+        </p:spPr>
+        <p:style>
+          <a:lnRef idx="2">
+            <a:schemeClr val="accent1">
+              <a:shade val="50000"/>
+            </a:schemeClr>
+          </a:lnRef>
+          <a:fillRef idx="1">
+            <a:schemeClr val="accent1"/>
+          </a:fillRef>
+          <a:effectRef idx="0">
+            <a:schemeClr val="accent1"/>
+          </a:effectRef>
+          <a:fontRef idx="minor">
+            <a:schemeClr val="lt1"/>
+          </a:fontRef>
+        </p:style>
+        <p:txBody>
+          <a:bodyPr rtlCol="0" anchor="ctr"/>
+          <a:lstStyle/>
+          <a:p>
+            <a:pPr algn="ctr"/>
+            <a:endParaRPr lang="ko-KR" altLang="en-US"/>
+          </a:p>
+        </p:txBody>
+      </p:sp>
+    </p:spTree>
+    <p:extLst>
+      <p:ext uri="{BB962C8B-B14F-4D97-AF65-F5344CB8AC3E}">
+        <p14:creationId xmlns:p14="http://schemas.microsoft.com/office/powerpoint/2010/main" val="606973968"/>
+      </p:ext>
+    </p:extLst>
+  </p:cSld>
+  <p:clrMapOvr>
+    <a:masterClrMapping/>
+  </p:clrMapOvr>
+</p:sld>
+</file>
+
+<file path=ppt/slides/slide16.xml><?xml version="1.0" encoding="utf-8"?>
+<p:sld xmlns:a="http://schemas.openxmlformats.org/drawingml/2006/main" xmlns:r="http://schemas.openxmlformats.org/officeDocument/2006/relationships" xmlns:p="http://schemas.openxmlformats.org/presentationml/2006/main">
+  <p:cSld>
+    <p:spTree>
+      <p:nvGrpSpPr>
+        <p:cNvPr id="1" name=""/>
+        <p:cNvGrpSpPr/>
+        <p:nvPr/>
+      </p:nvGrpSpPr>
+      <p:grpSpPr>
+        <a:xfrm>
+          <a:off x="0" y="0"/>
+          <a:ext cx="0" cy="0"/>
+          <a:chOff x="0" y="0"/>
+          <a:chExt cx="0" cy="0"/>
+        </a:xfrm>
+      </p:grpSpPr>
+      <p:sp>
+        <p:nvSpPr>
+          <p:cNvPr id="3" name="내용 개체 틀 2">
+            <a:extLst>
+              <a:ext uri="{FF2B5EF4-FFF2-40B4-BE49-F238E27FC236}">
+                <a16:creationId xmlns:a16="http://schemas.microsoft.com/office/drawing/2014/main" id="{20989674-9E2F-4CF2-9E1C-C4EE939E4913}"/>
+              </a:ext>
+            </a:extLst>
+          </p:cNvPr>
+          <p:cNvSpPr>
+            <a:spLocks noGrp="1"/>
+          </p:cNvSpPr>
+          <p:nvPr>
+            <p:ph idx="1"/>
+          </p:nvPr>
+        </p:nvSpPr>
+        <p:spPr>
+          <a:xfrm>
+            <a:off x="838200" y="4956313"/>
+            <a:ext cx="10515600" cy="1220649"/>
+          </a:xfrm>
+        </p:spPr>
+        <p:txBody>
+          <a:bodyPr/>
+          <a:lstStyle/>
+          <a:p>
+            <a:r>
+              <a:rPr lang="ko-KR" altLang="en-US"/>
+              <a:t>라디오버튼 사용할 경우</a:t>
+            </a:r>
+            <a:endParaRPr lang="en-US" altLang="ko-KR"/>
+          </a:p>
+          <a:p>
+            <a:r>
+              <a:rPr lang="ko-KR" altLang="en-US"/>
+              <a:t>하나의 </a:t>
+            </a:r>
+            <a:r>
+              <a:rPr lang="en-US" altLang="ko-KR"/>
+              <a:t>name </a:t>
+            </a:r>
+            <a:r>
+              <a:rPr lang="ko-KR" altLang="en-US"/>
+              <a:t>으로 묶여있어야 한다</a:t>
+            </a:r>
+            <a:r>
+              <a:rPr lang="en-US" altLang="ko-KR"/>
+              <a:t>.</a:t>
+            </a:r>
+            <a:endParaRPr lang="ko-KR" altLang="en-US"/>
+          </a:p>
+        </p:txBody>
+      </p:sp>
+      <p:pic>
+        <p:nvPicPr>
+          <p:cNvPr id="5" name="그림 4">
+            <a:extLst>
+              <a:ext uri="{FF2B5EF4-FFF2-40B4-BE49-F238E27FC236}">
+                <a16:creationId xmlns:a16="http://schemas.microsoft.com/office/drawing/2014/main" id="{62AE43EC-1DDB-4B20-AB59-D97432B375FE}"/>
+              </a:ext>
+            </a:extLst>
+          </p:cNvPr>
+          <p:cNvPicPr>
+            <a:picLocks noChangeAspect="1"/>
+          </p:cNvPicPr>
+          <p:nvPr/>
+        </p:nvPicPr>
+        <p:blipFill>
+          <a:blip r:embed="rId2"/>
+          <a:stretch>
+            <a:fillRect/>
+          </a:stretch>
+        </p:blipFill>
+        <p:spPr>
+          <a:xfrm>
+            <a:off x="493643" y="232079"/>
+            <a:ext cx="7285383" cy="4277591"/>
+          </a:xfrm>
+          <a:prstGeom prst="rect">
+            <a:avLst/>
+          </a:prstGeom>
+        </p:spPr>
+      </p:pic>
+      <p:pic>
+        <p:nvPicPr>
+          <p:cNvPr id="7" name="그림 6">
+            <a:extLst>
+              <a:ext uri="{FF2B5EF4-FFF2-40B4-BE49-F238E27FC236}">
+                <a16:creationId xmlns:a16="http://schemas.microsoft.com/office/drawing/2014/main" id="{1C4205F7-373C-45AC-9981-6D05C52DA48B}"/>
+              </a:ext>
+            </a:extLst>
+          </p:cNvPr>
+          <p:cNvPicPr>
+            <a:picLocks noChangeAspect="1"/>
+          </p:cNvPicPr>
+          <p:nvPr/>
+        </p:nvPicPr>
+        <p:blipFill>
+          <a:blip r:embed="rId3"/>
+          <a:stretch>
+            <a:fillRect/>
+          </a:stretch>
+        </p:blipFill>
+        <p:spPr>
+          <a:xfrm>
+            <a:off x="9373816" y="1178512"/>
+            <a:ext cx="1847462" cy="1542015"/>
+          </a:xfrm>
+          <a:prstGeom prst="rect">
+            <a:avLst/>
+          </a:prstGeom>
+        </p:spPr>
+      </p:pic>
+      <p:sp>
+        <p:nvSpPr>
+          <p:cNvPr id="8" name="직사각형 7">
+            <a:extLst>
+              <a:ext uri="{FF2B5EF4-FFF2-40B4-BE49-F238E27FC236}">
+                <a16:creationId xmlns:a16="http://schemas.microsoft.com/office/drawing/2014/main" id="{80CFACCE-8466-4B3D-9276-4521F13CA0A8}"/>
+              </a:ext>
+            </a:extLst>
+          </p:cNvPr>
+          <p:cNvSpPr/>
+          <p:nvPr/>
+        </p:nvSpPr>
+        <p:spPr>
+          <a:xfrm>
+            <a:off x="4147930" y="940904"/>
+            <a:ext cx="1603513" cy="397566"/>
+          </a:xfrm>
+          <a:prstGeom prst="rect">
+            <a:avLst/>
+          </a:prstGeom>
+          <a:solidFill>
+            <a:srgbClr val="4472C4">
+              <a:alpha val="20000"/>
+            </a:srgbClr>
+          </a:solidFill>
+        </p:spPr>
+        <p:style>
+          <a:lnRef idx="2">
+            <a:schemeClr val="accent1">
+              <a:shade val="50000"/>
+            </a:schemeClr>
+          </a:lnRef>
+          <a:fillRef idx="1">
+            <a:schemeClr val="accent1"/>
+          </a:fillRef>
+          <a:effectRef idx="0">
+            <a:schemeClr val="accent1"/>
+          </a:effectRef>
+          <a:fontRef idx="minor">
+            <a:schemeClr val="lt1"/>
+          </a:fontRef>
+        </p:style>
+        <p:txBody>
+          <a:bodyPr rtlCol="0" anchor="ctr"/>
+          <a:lstStyle/>
+          <a:p>
+            <a:pPr algn="ctr"/>
+            <a:endParaRPr lang="ko-KR" altLang="en-US"/>
+          </a:p>
+        </p:txBody>
+      </p:sp>
+      <p:sp>
+        <p:nvSpPr>
+          <p:cNvPr id="9" name="직사각형 8">
+            <a:extLst>
+              <a:ext uri="{FF2B5EF4-FFF2-40B4-BE49-F238E27FC236}">
+                <a16:creationId xmlns:a16="http://schemas.microsoft.com/office/drawing/2014/main" id="{5AE6525F-F2FF-449A-B1DE-ADCBBAFBBE83}"/>
+              </a:ext>
+            </a:extLst>
+          </p:cNvPr>
+          <p:cNvSpPr/>
+          <p:nvPr/>
+        </p:nvSpPr>
+        <p:spPr>
+          <a:xfrm>
+            <a:off x="4136334" y="2370874"/>
+            <a:ext cx="1603513" cy="397566"/>
+          </a:xfrm>
+          <a:prstGeom prst="rect">
+            <a:avLst/>
+          </a:prstGeom>
+          <a:solidFill>
+            <a:srgbClr val="4472C4">
+              <a:alpha val="20000"/>
+            </a:srgbClr>
+          </a:solidFill>
+        </p:spPr>
+        <p:style>
+          <a:lnRef idx="2">
+            <a:schemeClr val="accent1">
+              <a:shade val="50000"/>
+            </a:schemeClr>
+          </a:lnRef>
+          <a:fillRef idx="1">
+            <a:schemeClr val="accent1"/>
+          </a:fillRef>
+          <a:effectRef idx="0">
+            <a:schemeClr val="accent1"/>
+          </a:effectRef>
+          <a:fontRef idx="minor">
+            <a:schemeClr val="lt1"/>
+          </a:fontRef>
+        </p:style>
+        <p:txBody>
+          <a:bodyPr rtlCol="0" anchor="ctr"/>
+          <a:lstStyle/>
+          <a:p>
+            <a:pPr algn="ctr"/>
+            <a:endParaRPr lang="ko-KR" altLang="en-US"/>
+          </a:p>
+        </p:txBody>
+      </p:sp>
+      <p:sp>
+        <p:nvSpPr>
+          <p:cNvPr id="10" name="직사각형 9">
+            <a:extLst>
+              <a:ext uri="{FF2B5EF4-FFF2-40B4-BE49-F238E27FC236}">
+                <a16:creationId xmlns:a16="http://schemas.microsoft.com/office/drawing/2014/main" id="{1E07F81F-A75C-422D-A9A9-EBACDF7D8335}"/>
+              </a:ext>
+            </a:extLst>
+          </p:cNvPr>
+          <p:cNvSpPr/>
+          <p:nvPr/>
+        </p:nvSpPr>
+        <p:spPr>
+          <a:xfrm>
+            <a:off x="4147930" y="3787122"/>
+            <a:ext cx="1603513" cy="397566"/>
+          </a:xfrm>
+          <a:prstGeom prst="rect">
+            <a:avLst/>
+          </a:prstGeom>
+          <a:solidFill>
+            <a:srgbClr val="4472C4">
+              <a:alpha val="20000"/>
+            </a:srgbClr>
+          </a:solidFill>
+        </p:spPr>
+        <p:style>
+          <a:lnRef idx="2">
+            <a:schemeClr val="accent1">
+              <a:shade val="50000"/>
+            </a:schemeClr>
+          </a:lnRef>
+          <a:fillRef idx="1">
+            <a:schemeClr val="accent1"/>
+          </a:fillRef>
+          <a:effectRef idx="0">
+            <a:schemeClr val="accent1"/>
+          </a:effectRef>
+          <a:fontRef idx="minor">
+            <a:schemeClr val="lt1"/>
+          </a:fontRef>
+        </p:style>
+        <p:txBody>
+          <a:bodyPr rtlCol="0" anchor="ctr"/>
+          <a:lstStyle/>
+          <a:p>
+            <a:pPr algn="ctr"/>
+            <a:endParaRPr lang="ko-KR" altLang="en-US"/>
+          </a:p>
+        </p:txBody>
+      </p:sp>
+    </p:spTree>
+    <p:extLst>
+      <p:ext uri="{BB962C8B-B14F-4D97-AF65-F5344CB8AC3E}">
+        <p14:creationId xmlns:p14="http://schemas.microsoft.com/office/powerpoint/2010/main" val="1774908856"/>
+      </p:ext>
+    </p:extLst>
+  </p:cSld>
+  <p:clrMapOvr>
+    <a:masterClrMapping/>
+  </p:clrMapOvr>
+</p:sld>
+</file>
+
+<file path=ppt/slides/slide17.xml><?xml version="1.0" encoding="utf-8"?>
+<p:sld xmlns:a="http://schemas.openxmlformats.org/drawingml/2006/main" xmlns:r="http://schemas.openxmlformats.org/officeDocument/2006/relationships" xmlns:p="http://schemas.openxmlformats.org/presentationml/2006/main">
+  <p:cSld>
+    <p:spTree>
+      <p:nvGrpSpPr>
+        <p:cNvPr id="1" name=""/>
+        <p:cNvGrpSpPr/>
+        <p:nvPr/>
+      </p:nvGrpSpPr>
+      <p:grpSpPr>
+        <a:xfrm>
+          <a:off x="0" y="0"/>
+          <a:ext cx="0" cy="0"/>
+          <a:chOff x="0" y="0"/>
+          <a:chExt cx="0" cy="0"/>
+        </a:xfrm>
+      </p:grpSpPr>
+      <p:sp>
+        <p:nvSpPr>
+          <p:cNvPr id="3" name="내용 개체 틀 2">
+            <a:extLst>
+              <a:ext uri="{FF2B5EF4-FFF2-40B4-BE49-F238E27FC236}">
+                <a16:creationId xmlns:a16="http://schemas.microsoft.com/office/drawing/2014/main" id="{0A27BAF7-91D6-44F9-BFC5-9EC89FFE55E5}"/>
+              </a:ext>
+            </a:extLst>
+          </p:cNvPr>
+          <p:cNvSpPr>
+            <a:spLocks noGrp="1"/>
+          </p:cNvSpPr>
+          <p:nvPr>
+            <p:ph idx="1"/>
+          </p:nvPr>
+        </p:nvSpPr>
+        <p:spPr>
+          <a:xfrm>
+            <a:off x="838200" y="3276599"/>
+            <a:ext cx="10515600" cy="1173163"/>
+          </a:xfrm>
+        </p:spPr>
+        <p:txBody>
+          <a:bodyPr/>
+          <a:lstStyle/>
+          <a:p>
+            <a:r>
+              <a:rPr lang="ko-KR" altLang="en-US"/>
+              <a:t>버튼 태그이다</a:t>
+            </a:r>
+            <a:r>
+              <a:rPr lang="en-US" altLang="ko-KR"/>
+              <a:t>.</a:t>
+            </a:r>
+          </a:p>
+          <a:p>
+            <a:r>
+              <a:rPr lang="ko-KR" altLang="en-US"/>
+              <a:t>여기에 </a:t>
+            </a:r>
+            <a:r>
+              <a:rPr lang="en-US" altLang="ko-KR"/>
+              <a:t>onclick </a:t>
+            </a:r>
+            <a:r>
+              <a:rPr lang="ko-KR" altLang="en-US"/>
+              <a:t>이벤트를 달아서 작동시킴</a:t>
+            </a:r>
+          </a:p>
+        </p:txBody>
+      </p:sp>
+      <p:pic>
+        <p:nvPicPr>
+          <p:cNvPr id="5" name="그림 4">
+            <a:extLst>
+              <a:ext uri="{FF2B5EF4-FFF2-40B4-BE49-F238E27FC236}">
+                <a16:creationId xmlns:a16="http://schemas.microsoft.com/office/drawing/2014/main" id="{5FBFB742-F476-41C0-97DE-C5901EA6F251}"/>
+              </a:ext>
+            </a:extLst>
+          </p:cNvPr>
+          <p:cNvPicPr>
+            <a:picLocks noChangeAspect="1"/>
+          </p:cNvPicPr>
+          <p:nvPr/>
+        </p:nvPicPr>
+        <p:blipFill>
+          <a:blip r:embed="rId2"/>
+          <a:stretch>
+            <a:fillRect/>
+          </a:stretch>
+        </p:blipFill>
+        <p:spPr>
+          <a:xfrm>
+            <a:off x="838200" y="681037"/>
+            <a:ext cx="5962650" cy="581025"/>
+          </a:xfrm>
+          <a:prstGeom prst="rect">
+            <a:avLst/>
+          </a:prstGeom>
+        </p:spPr>
+      </p:pic>
+      <p:pic>
+        <p:nvPicPr>
+          <p:cNvPr id="7" name="그림 6">
+            <a:extLst>
+              <a:ext uri="{FF2B5EF4-FFF2-40B4-BE49-F238E27FC236}">
+                <a16:creationId xmlns:a16="http://schemas.microsoft.com/office/drawing/2014/main" id="{85272559-5258-4F01-BB7D-68C3E84879FE}"/>
+              </a:ext>
+            </a:extLst>
+          </p:cNvPr>
+          <p:cNvPicPr>
+            <a:picLocks noChangeAspect="1"/>
+          </p:cNvPicPr>
+          <p:nvPr/>
+        </p:nvPicPr>
+        <p:blipFill>
+          <a:blip r:embed="rId3"/>
+          <a:stretch>
+            <a:fillRect/>
+          </a:stretch>
+        </p:blipFill>
+        <p:spPr>
+          <a:xfrm>
+            <a:off x="7256462" y="1616868"/>
+            <a:ext cx="2276475" cy="1304925"/>
+          </a:xfrm>
+          <a:prstGeom prst="rect">
+            <a:avLst/>
+          </a:prstGeom>
+        </p:spPr>
+      </p:pic>
+    </p:spTree>
+    <p:extLst>
+      <p:ext uri="{BB962C8B-B14F-4D97-AF65-F5344CB8AC3E}">
+        <p14:creationId xmlns:p14="http://schemas.microsoft.com/office/powerpoint/2010/main" val="2751713067"/>
+      </p:ext>
+    </p:extLst>
+  </p:cSld>
+  <p:clrMapOvr>
+    <a:masterClrMapping/>
+  </p:clrMapOvr>
+</p:sld>
+</file>
+
+<file path=ppt/slides/slide18.xml><?xml version="1.0" encoding="utf-8"?>
+<p:sld xmlns:a="http://schemas.openxmlformats.org/drawingml/2006/main" xmlns:r="http://schemas.openxmlformats.org/officeDocument/2006/relationships" xmlns:p="http://schemas.openxmlformats.org/presentationml/2006/main">
+  <p:cSld>
+    <p:spTree>
+      <p:nvGrpSpPr>
+        <p:cNvPr id="1" name=""/>
+        <p:cNvGrpSpPr/>
+        <p:nvPr/>
+      </p:nvGrpSpPr>
+      <p:grpSpPr>
+        <a:xfrm>
+          <a:off x="0" y="0"/>
+          <a:ext cx="0" cy="0"/>
+          <a:chOff x="0" y="0"/>
+          <a:chExt cx="0" cy="0"/>
+        </a:xfrm>
+      </p:grpSpPr>
+      <p:sp>
+        <p:nvSpPr>
+          <p:cNvPr id="3" name="내용 개체 틀 2">
+            <a:extLst>
+              <a:ext uri="{FF2B5EF4-FFF2-40B4-BE49-F238E27FC236}">
+                <a16:creationId xmlns:a16="http://schemas.microsoft.com/office/drawing/2014/main" id="{BD99B844-A6B8-40AA-9A3B-24660B91D22D}"/>
+              </a:ext>
+            </a:extLst>
+          </p:cNvPr>
+          <p:cNvSpPr>
+            <a:spLocks noGrp="1"/>
+          </p:cNvSpPr>
+          <p:nvPr>
+            <p:ph idx="1"/>
+          </p:nvPr>
+        </p:nvSpPr>
+        <p:spPr>
+          <a:xfrm>
+            <a:off x="355600" y="1266825"/>
+            <a:ext cx="7412523" cy="1603375"/>
+          </a:xfrm>
+        </p:spPr>
+        <p:txBody>
+          <a:bodyPr/>
+          <a:lstStyle/>
+          <a:p>
+            <a:r>
+              <a:rPr lang="ko-KR" altLang="en-US"/>
+              <a:t>하이퍼링크를 의미한다</a:t>
+            </a:r>
+            <a:endParaRPr lang="en-US" altLang="ko-KR"/>
+          </a:p>
+          <a:p>
+            <a:r>
+              <a:rPr lang="en-US" altLang="ko-KR"/>
+              <a:t>href </a:t>
+            </a:r>
+            <a:r>
+              <a:rPr lang="ko-KR" altLang="en-US"/>
+              <a:t>는 해당 주소</a:t>
+            </a:r>
+            <a:endParaRPr lang="en-US" altLang="ko-KR"/>
+          </a:p>
+          <a:p>
+            <a:r>
+              <a:rPr lang="ko-KR" altLang="en-US"/>
+              <a:t>같은 서버 안에 다른 </a:t>
+            </a:r>
+            <a:r>
+              <a:rPr lang="en-US" altLang="ko-KR"/>
+              <a:t>html </a:t>
+            </a:r>
+            <a:r>
+              <a:rPr lang="ko-KR" altLang="en-US"/>
+              <a:t>경로도 입력 가능</a:t>
+            </a:r>
+          </a:p>
+        </p:txBody>
+      </p:sp>
+      <p:pic>
+        <p:nvPicPr>
+          <p:cNvPr id="5" name="그림 4">
+            <a:extLst>
+              <a:ext uri="{FF2B5EF4-FFF2-40B4-BE49-F238E27FC236}">
+                <a16:creationId xmlns:a16="http://schemas.microsoft.com/office/drawing/2014/main" id="{29FFF552-2E61-4A49-BC81-9A679BA97F2F}"/>
+              </a:ext>
+            </a:extLst>
+          </p:cNvPr>
+          <p:cNvPicPr>
+            <a:picLocks noChangeAspect="1"/>
+          </p:cNvPicPr>
+          <p:nvPr/>
+        </p:nvPicPr>
+        <p:blipFill>
+          <a:blip r:embed="rId2"/>
+          <a:stretch>
+            <a:fillRect/>
+          </a:stretch>
+        </p:blipFill>
+        <p:spPr>
+          <a:xfrm>
+            <a:off x="571500" y="681037"/>
+            <a:ext cx="10515600" cy="405977"/>
+          </a:xfrm>
+          <a:prstGeom prst="rect">
+            <a:avLst/>
+          </a:prstGeom>
+        </p:spPr>
+      </p:pic>
+      <p:pic>
+        <p:nvPicPr>
+          <p:cNvPr id="7" name="그림 6">
+            <a:extLst>
+              <a:ext uri="{FF2B5EF4-FFF2-40B4-BE49-F238E27FC236}">
+                <a16:creationId xmlns:a16="http://schemas.microsoft.com/office/drawing/2014/main" id="{FEB7985F-FED2-46F9-AF41-C7219A848216}"/>
+              </a:ext>
+            </a:extLst>
+          </p:cNvPr>
+          <p:cNvPicPr>
+            <a:picLocks noChangeAspect="1"/>
+          </p:cNvPicPr>
+          <p:nvPr/>
+        </p:nvPicPr>
+        <p:blipFill>
+          <a:blip r:embed="rId3"/>
+          <a:stretch>
+            <a:fillRect/>
+          </a:stretch>
+        </p:blipFill>
+        <p:spPr>
+          <a:xfrm>
+            <a:off x="838200" y="3710415"/>
+            <a:ext cx="4556125" cy="756928"/>
+          </a:xfrm>
+          <a:prstGeom prst="rect">
+            <a:avLst/>
+          </a:prstGeom>
+        </p:spPr>
+      </p:pic>
+      <p:pic>
+        <p:nvPicPr>
+          <p:cNvPr id="9" name="그림 8">
+            <a:extLst>
+              <a:ext uri="{FF2B5EF4-FFF2-40B4-BE49-F238E27FC236}">
+                <a16:creationId xmlns:a16="http://schemas.microsoft.com/office/drawing/2014/main" id="{37F9F453-6D1B-4D7B-A96E-C9302AC8AC38}"/>
+              </a:ext>
+            </a:extLst>
+          </p:cNvPr>
+          <p:cNvPicPr>
+            <a:picLocks noChangeAspect="1"/>
+          </p:cNvPicPr>
+          <p:nvPr/>
+        </p:nvPicPr>
+        <p:blipFill>
+          <a:blip r:embed="rId4"/>
+          <a:stretch>
+            <a:fillRect/>
+          </a:stretch>
+        </p:blipFill>
+        <p:spPr>
+          <a:xfrm>
+            <a:off x="8250723" y="1574798"/>
+            <a:ext cx="2836377" cy="4852992"/>
+          </a:xfrm>
+          <a:prstGeom prst="rect">
+            <a:avLst/>
+          </a:prstGeom>
+        </p:spPr>
+      </p:pic>
+      <p:sp>
+        <p:nvSpPr>
+          <p:cNvPr id="10" name="화살표: 오른쪽 9">
+            <a:extLst>
+              <a:ext uri="{FF2B5EF4-FFF2-40B4-BE49-F238E27FC236}">
+                <a16:creationId xmlns:a16="http://schemas.microsoft.com/office/drawing/2014/main" id="{56779927-3A23-4A75-AC86-4D89D7338A5A}"/>
+              </a:ext>
+            </a:extLst>
+          </p:cNvPr>
+          <p:cNvSpPr/>
+          <p:nvPr/>
+        </p:nvSpPr>
+        <p:spPr>
+          <a:xfrm>
+            <a:off x="6181174" y="3722594"/>
+            <a:ext cx="1282700" cy="756928"/>
+          </a:xfrm>
+          <a:prstGeom prst="rightArrow">
+            <a:avLst/>
+          </a:prstGeom>
+        </p:spPr>
+        <p:style>
+          <a:lnRef idx="2">
+            <a:schemeClr val="accent1">
+              <a:shade val="50000"/>
+            </a:schemeClr>
+          </a:lnRef>
+          <a:fillRef idx="1">
+            <a:schemeClr val="accent1"/>
+          </a:fillRef>
+          <a:effectRef idx="0">
+            <a:schemeClr val="accent1"/>
+          </a:effectRef>
+          <a:fontRef idx="minor">
+            <a:schemeClr val="lt1"/>
+          </a:fontRef>
+        </p:style>
+        <p:txBody>
+          <a:bodyPr rtlCol="0" anchor="ctr"/>
+          <a:lstStyle/>
+          <a:p>
+            <a:pPr algn="ctr"/>
+            <a:endParaRPr lang="ko-KR" altLang="en-US"/>
+          </a:p>
+        </p:txBody>
+      </p:sp>
+    </p:spTree>
+    <p:extLst>
+      <p:ext uri="{BB962C8B-B14F-4D97-AF65-F5344CB8AC3E}">
+        <p14:creationId xmlns:p14="http://schemas.microsoft.com/office/powerpoint/2010/main" val="3663891766"/>
+      </p:ext>
+    </p:extLst>
+  </p:cSld>
+  <p:clrMapOvr>
+    <a:masterClrMapping/>
+  </p:clrMapOvr>
+</p:sld>
+</file>
+
+<file path=ppt/slides/slide19.xml><?xml version="1.0" encoding="utf-8"?>
+<p:sld xmlns:a="http://schemas.openxmlformats.org/drawingml/2006/main" xmlns:r="http://schemas.openxmlformats.org/officeDocument/2006/relationships" xmlns:p="http://schemas.openxmlformats.org/presentationml/2006/main">
+  <p:cSld>
+    <p:spTree>
+      <p:nvGrpSpPr>
+        <p:cNvPr id="1" name=""/>
+        <p:cNvGrpSpPr/>
+        <p:nvPr/>
+      </p:nvGrpSpPr>
+      <p:grpSpPr>
+        <a:xfrm>
+          <a:off x="0" y="0"/>
+          <a:ext cx="0" cy="0"/>
+          <a:chOff x="0" y="0"/>
+          <a:chExt cx="0" cy="0"/>
+        </a:xfrm>
+      </p:grpSpPr>
+      <p:sp>
+        <p:nvSpPr>
+          <p:cNvPr id="2" name="제목 1">
+            <a:extLst>
+              <a:ext uri="{FF2B5EF4-FFF2-40B4-BE49-F238E27FC236}">
+                <a16:creationId xmlns:a16="http://schemas.microsoft.com/office/drawing/2014/main" id="{C902C0C9-B8F8-4CA8-93E8-2285C202166F}"/>
+              </a:ext>
+            </a:extLst>
+          </p:cNvPr>
+          <p:cNvSpPr>
+            <a:spLocks noGrp="1"/>
+          </p:cNvSpPr>
+          <p:nvPr>
+            <p:ph type="title"/>
+          </p:nvPr>
+        </p:nvSpPr>
+        <p:spPr/>
+        <p:txBody>
+          <a:bodyPr/>
+          <a:lstStyle/>
+          <a:p>
+            <a:r>
+              <a:rPr lang="ko-KR" altLang="en-US"/>
+              <a:t>직접 해보기</a:t>
+            </a:r>
+            <a:r>
+              <a:rPr lang="en-US" altLang="ko-KR"/>
+              <a:t>!</a:t>
+            </a:r>
+            <a:endParaRPr lang="ko-KR" altLang="en-US"/>
+          </a:p>
+        </p:txBody>
+      </p:sp>
+      <p:sp>
+        <p:nvSpPr>
+          <p:cNvPr id="3" name="내용 개체 틀 2">
+            <a:extLst>
+              <a:ext uri="{FF2B5EF4-FFF2-40B4-BE49-F238E27FC236}">
+                <a16:creationId xmlns:a16="http://schemas.microsoft.com/office/drawing/2014/main" id="{118FDBD4-BC6B-400A-9B22-739E7E4A2229}"/>
+              </a:ext>
+            </a:extLst>
+          </p:cNvPr>
+          <p:cNvSpPr>
+            <a:spLocks noGrp="1"/>
+          </p:cNvSpPr>
+          <p:nvPr>
+            <p:ph idx="1"/>
+          </p:nvPr>
+        </p:nvSpPr>
+        <p:spPr/>
+        <p:txBody>
+          <a:bodyPr/>
+          <a:lstStyle/>
+          <a:p>
+            <a:r>
+              <a:rPr lang="ko-KR" altLang="en-US"/>
+              <a:t>지금까지 배운 지식으로 </a:t>
+            </a:r>
+            <a:endParaRPr lang="en-US" altLang="ko-KR"/>
+          </a:p>
+          <a:p>
+            <a:r>
+              <a:rPr lang="ko-KR" altLang="en-US"/>
+              <a:t>내가 제일 좋아하는 것의 소개페이지 만들자</a:t>
+            </a:r>
+            <a:endParaRPr lang="en-US" altLang="ko-KR"/>
+          </a:p>
+          <a:p>
+            <a:pPr lvl="1"/>
+            <a:r>
+              <a:rPr lang="en-US" altLang="ko-KR"/>
+              <a:t>ex)</a:t>
+            </a:r>
+            <a:r>
+              <a:rPr lang="ko-KR" altLang="en-US"/>
+              <a:t> 강아지</a:t>
+            </a:r>
+            <a:r>
+              <a:rPr lang="en-US" altLang="ko-KR"/>
+              <a:t>, </a:t>
+            </a:r>
+            <a:r>
+              <a:rPr lang="ko-KR" altLang="en-US"/>
+              <a:t>게임</a:t>
+            </a:r>
+            <a:r>
+              <a:rPr lang="en-US" altLang="ko-KR"/>
+              <a:t>, </a:t>
+            </a:r>
+            <a:r>
+              <a:rPr lang="ko-KR" altLang="en-US"/>
+              <a:t>운동</a:t>
+            </a:r>
+            <a:r>
+              <a:rPr lang="en-US" altLang="ko-KR"/>
+              <a:t>, </a:t>
+            </a:r>
+            <a:r>
+              <a:rPr lang="ko-KR" altLang="en-US"/>
+              <a:t>인물</a:t>
+            </a:r>
+            <a:r>
+              <a:rPr lang="en-US" altLang="ko-KR"/>
+              <a:t> …</a:t>
+            </a:r>
+          </a:p>
+          <a:p>
+            <a:r>
+              <a:rPr lang="ko-KR" altLang="en-US"/>
+              <a:t>교안</a:t>
+            </a:r>
+            <a:r>
+              <a:rPr lang="en-US" altLang="ko-KR"/>
+              <a:t>, </a:t>
+            </a:r>
+            <a:r>
+              <a:rPr lang="ko-KR" altLang="en-US"/>
+              <a:t>코드</a:t>
+            </a:r>
+            <a:r>
+              <a:rPr lang="en-US" altLang="ko-KR"/>
+              <a:t>, ppt,</a:t>
+            </a:r>
+            <a:r>
+              <a:rPr lang="ko-KR" altLang="en-US"/>
+              <a:t> </a:t>
+            </a:r>
+            <a:r>
+              <a:rPr lang="en-US" altLang="ko-KR"/>
+              <a:t>pdf</a:t>
+            </a:r>
+            <a:r>
+              <a:rPr lang="ko-KR" altLang="en-US"/>
+              <a:t>는 모두 깃허브에 제공됨</a:t>
+            </a:r>
+            <a:endParaRPr lang="en-US" altLang="ko-KR"/>
+          </a:p>
+        </p:txBody>
+      </p:sp>
+    </p:spTree>
+    <p:extLst>
+      <p:ext uri="{BB962C8B-B14F-4D97-AF65-F5344CB8AC3E}">
+        <p14:creationId xmlns:p14="http://schemas.microsoft.com/office/powerpoint/2010/main" val="1827550926"/>
+      </p:ext>
+    </p:extLst>
+  </p:cSld>
+  <p:clrMapOvr>
+    <a:masterClrMapping/>
+  </p:clrMapOvr>
+</p:sld>
+</file>
+
 <file path=ppt/slides/slide2.xml><?xml version="1.0" encoding="utf-8"?>
 <p:sld xmlns:a="http://schemas.openxmlformats.org/drawingml/2006/main" xmlns:r="http://schemas.openxmlformats.org/officeDocument/2006/relationships" xmlns:p="http://schemas.openxmlformats.org/presentationml/2006/main">
   <p:cSld>
@@ -3840,7 +5946,7 @@
         <p:spPr>
           <a:xfrm>
             <a:off x="838199" y="2499919"/>
-            <a:ext cx="8775583" cy="646331"/>
+            <a:ext cx="8775583" cy="923330"/>
           </a:xfrm>
           <a:prstGeom prst="rect">
             <a:avLst/>
@@ -3871,6 +5977,28 @@
             <a:r>
               <a:rPr lang="ko-KR" altLang="en-US"/>
               <a:t>파일 하나를 만든다</a:t>
+            </a:r>
+            <a:r>
+              <a:rPr lang="en-US" altLang="ko-KR"/>
+              <a:t>.</a:t>
+            </a:r>
+          </a:p>
+          <a:p>
+            <a:r>
+              <a:rPr lang="en-US" altLang="ko-KR"/>
+              <a:t>index.html </a:t>
+            </a:r>
+            <a:r>
+              <a:rPr lang="ko-KR" altLang="en-US"/>
+              <a:t>은</a:t>
+            </a:r>
+            <a:r>
+              <a:rPr lang="en-US" altLang="ko-KR"/>
+              <a:t>, </a:t>
+            </a:r>
+            <a:r>
+              <a:rPr lang="ko-KR" altLang="en-US"/>
+              <a:t>서버에 접속했을 때 보여지는 첫 화면을 의미한다</a:t>
             </a:r>
             <a:r>
               <a:rPr lang="en-US" altLang="ko-KR"/>
@@ -3902,7 +6030,7 @@
         </p:blipFill>
         <p:spPr>
           <a:xfrm>
-            <a:off x="998288" y="3309150"/>
+            <a:off x="918243" y="3521395"/>
             <a:ext cx="8615494" cy="3336605"/>
           </a:xfrm>
           <a:prstGeom prst="rect">
@@ -4047,10 +6175,10 @@
       </p:sp>
       <p:pic>
         <p:nvPicPr>
-          <p:cNvPr id="10" name="그림 9">
-            <a:extLst>
-              <a:ext uri="{FF2B5EF4-FFF2-40B4-BE49-F238E27FC236}">
-                <a16:creationId xmlns:a16="http://schemas.microsoft.com/office/drawing/2014/main" id="{D0C56659-9C94-4002-996A-CB5ED4AA8681}"/>
+          <p:cNvPr id="4" name="그림 3">
+            <a:extLst>
+              <a:ext uri="{FF2B5EF4-FFF2-40B4-BE49-F238E27FC236}">
+                <a16:creationId xmlns:a16="http://schemas.microsoft.com/office/drawing/2014/main" id="{54F92C1F-4863-4116-9396-5628DC991571}"/>
               </a:ext>
             </a:extLst>
           </p:cNvPr>
@@ -4067,8 +6195,1033 @@
         </p:blipFill>
         <p:spPr>
           <a:xfrm>
-            <a:off x="576045" y="2944010"/>
-            <a:ext cx="5519955" cy="1992198"/>
+            <a:off x="399875" y="2533650"/>
+            <a:ext cx="5805736" cy="2558838"/>
+          </a:xfrm>
+          <a:prstGeom prst="rect">
+            <a:avLst/>
+          </a:prstGeom>
+        </p:spPr>
+      </p:pic>
+      <p:sp>
+        <p:nvSpPr>
+          <p:cNvPr id="9" name="TextBox 8">
+            <a:extLst>
+              <a:ext uri="{FF2B5EF4-FFF2-40B4-BE49-F238E27FC236}">
+                <a16:creationId xmlns:a16="http://schemas.microsoft.com/office/drawing/2014/main" id="{CB16894F-BD3F-424F-8BA5-9551BB447D90}"/>
+              </a:ext>
+            </a:extLst>
+          </p:cNvPr>
+          <p:cNvSpPr txBox="1"/>
+          <p:nvPr/>
+        </p:nvSpPr>
+        <p:spPr>
+          <a:xfrm>
+            <a:off x="399875" y="5612284"/>
+            <a:ext cx="5186035" cy="923330"/>
+          </a:xfrm>
+          <a:prstGeom prst="rect">
+            <a:avLst/>
+          </a:prstGeom>
+          <a:noFill/>
+        </p:spPr>
+        <p:txBody>
+          <a:bodyPr wrap="none" rtlCol="0">
+            <a:spAutoFit/>
+          </a:bodyPr>
+          <a:lstStyle/>
+          <a:p>
+            <a:pPr marL="285750" indent="-285750">
+              <a:buFont typeface="Arial" panose="020B0604020202020204" pitchFamily="34" charset="0"/>
+              <a:buChar char="•"/>
+            </a:pPr>
+            <a:r>
+              <a:rPr lang="ko-KR" altLang="en-US"/>
+              <a:t>이 템플릿은 따로 저장해두었다가 </a:t>
+            </a:r>
+            <a:endParaRPr lang="en-US" altLang="ko-KR"/>
+          </a:p>
+          <a:p>
+            <a:r>
+              <a:rPr lang="en-US" altLang="ko-KR"/>
+              <a:t>HTML</a:t>
+            </a:r>
+            <a:r>
+              <a:rPr lang="ko-KR" altLang="en-US"/>
+              <a:t> 파일 만들 때 기본으로 쓰도록 하자</a:t>
+            </a:r>
+            <a:r>
+              <a:rPr lang="en-US" altLang="ko-KR"/>
+              <a:t>.</a:t>
+            </a:r>
+          </a:p>
+          <a:p>
+            <a:r>
+              <a:rPr lang="en-US" altLang="ko-KR"/>
+              <a:t>(</a:t>
+            </a:r>
+            <a:r>
+              <a:rPr lang="ko-KR" altLang="en-US"/>
+              <a:t>시험공부 할 때 말고</a:t>
+            </a:r>
+            <a:r>
+              <a:rPr lang="en-US" altLang="ko-KR"/>
+              <a:t>, </a:t>
+            </a:r>
+            <a:r>
+              <a:rPr lang="ko-KR" altLang="en-US"/>
+              <a:t>개발할 땐 외우지 말란 뜻</a:t>
+            </a:r>
+            <a:r>
+              <a:rPr lang="en-US" altLang="ko-KR"/>
+              <a:t>)</a:t>
+            </a:r>
+          </a:p>
+        </p:txBody>
+      </p:sp>
+    </p:spTree>
+    <p:extLst>
+      <p:ext uri="{BB962C8B-B14F-4D97-AF65-F5344CB8AC3E}">
+        <p14:creationId xmlns:p14="http://schemas.microsoft.com/office/powerpoint/2010/main" val="113443353"/>
+      </p:ext>
+    </p:extLst>
+  </p:cSld>
+  <p:clrMapOvr>
+    <a:masterClrMapping/>
+  </p:clrMapOvr>
+</p:sld>
+</file>
+
+<file path=ppt/slides/slide6.xml><?xml version="1.0" encoding="utf-8"?>
+<p:sld xmlns:a="http://schemas.openxmlformats.org/drawingml/2006/main" xmlns:r="http://schemas.openxmlformats.org/officeDocument/2006/relationships" xmlns:p="http://schemas.openxmlformats.org/presentationml/2006/main">
+  <p:cSld>
+    <p:spTree>
+      <p:nvGrpSpPr>
+        <p:cNvPr id="1" name=""/>
+        <p:cNvGrpSpPr/>
+        <p:nvPr/>
+      </p:nvGrpSpPr>
+      <p:grpSpPr>
+        <a:xfrm>
+          <a:off x="0" y="0"/>
+          <a:ext cx="0" cy="0"/>
+          <a:chOff x="0" y="0"/>
+          <a:chExt cx="0" cy="0"/>
+        </a:xfrm>
+      </p:grpSpPr>
+      <p:sp>
+        <p:nvSpPr>
+          <p:cNvPr id="2" name="제목 1">
+            <a:extLst>
+              <a:ext uri="{FF2B5EF4-FFF2-40B4-BE49-F238E27FC236}">
+                <a16:creationId xmlns:a16="http://schemas.microsoft.com/office/drawing/2014/main" id="{30272D15-7A92-4390-BCB1-F9F8A4D6B175}"/>
+              </a:ext>
+            </a:extLst>
+          </p:cNvPr>
+          <p:cNvSpPr>
+            <a:spLocks noGrp="1"/>
+          </p:cNvSpPr>
+          <p:nvPr>
+            <p:ph type="title"/>
+          </p:nvPr>
+        </p:nvSpPr>
+        <p:spPr/>
+        <p:txBody>
+          <a:bodyPr/>
+          <a:lstStyle/>
+          <a:p>
+            <a:r>
+              <a:rPr lang="en-US" altLang="ko-KR"/>
+              <a:t>HTML</a:t>
+            </a:r>
+            <a:endParaRPr lang="ko-KR" altLang="en-US"/>
+          </a:p>
+        </p:txBody>
+      </p:sp>
+      <p:sp>
+        <p:nvSpPr>
+          <p:cNvPr id="3" name="내용 개체 틀 2">
+            <a:extLst>
+              <a:ext uri="{FF2B5EF4-FFF2-40B4-BE49-F238E27FC236}">
+                <a16:creationId xmlns:a16="http://schemas.microsoft.com/office/drawing/2014/main" id="{6D5BA16D-743D-45F1-A6E6-913E061C508A}"/>
+              </a:ext>
+            </a:extLst>
+          </p:cNvPr>
+          <p:cNvSpPr>
+            <a:spLocks noGrp="1"/>
+          </p:cNvSpPr>
+          <p:nvPr>
+            <p:ph idx="1"/>
+          </p:nvPr>
+        </p:nvSpPr>
+        <p:spPr/>
+        <p:txBody>
+          <a:bodyPr/>
+          <a:lstStyle/>
+          <a:p>
+            <a:r>
+              <a:rPr lang="ko-KR" altLang="en-US"/>
+              <a:t>정보 제공에만 집중 </a:t>
+            </a:r>
+            <a:r>
+              <a:rPr lang="en-US" altLang="ko-KR"/>
+              <a:t>(</a:t>
+            </a:r>
+            <a:r>
+              <a:rPr lang="ko-KR" altLang="en-US"/>
+              <a:t>디자인 </a:t>
+            </a:r>
+            <a:r>
+              <a:rPr lang="en-US" altLang="ko-KR"/>
+              <a:t>X, </a:t>
+            </a:r>
+            <a:r>
+              <a:rPr lang="ko-KR" altLang="en-US"/>
+              <a:t>프로그래밍 </a:t>
+            </a:r>
+            <a:r>
+              <a:rPr lang="en-US" altLang="ko-KR"/>
+              <a:t>X)</a:t>
+            </a:r>
+          </a:p>
+          <a:p>
+            <a:r>
+              <a:rPr lang="ko-KR" altLang="en-US"/>
+              <a:t>하나의 문서 </a:t>
+            </a:r>
+            <a:r>
+              <a:rPr lang="en-US" altLang="ko-KR"/>
+              <a:t>(Document)</a:t>
+            </a:r>
+          </a:p>
+          <a:p>
+            <a:endParaRPr lang="ko-KR" altLang="en-US"/>
+          </a:p>
+        </p:txBody>
+      </p:sp>
+    </p:spTree>
+    <p:extLst>
+      <p:ext uri="{BB962C8B-B14F-4D97-AF65-F5344CB8AC3E}">
+        <p14:creationId xmlns:p14="http://schemas.microsoft.com/office/powerpoint/2010/main" val="96382736"/>
+      </p:ext>
+    </p:extLst>
+  </p:cSld>
+  <p:clrMapOvr>
+    <a:masterClrMapping/>
+  </p:clrMapOvr>
+</p:sld>
+</file>
+
+<file path=ppt/slides/slide7.xml><?xml version="1.0" encoding="utf-8"?>
+<p:sld xmlns:a="http://schemas.openxmlformats.org/drawingml/2006/main" xmlns:r="http://schemas.openxmlformats.org/officeDocument/2006/relationships" xmlns:p="http://schemas.openxmlformats.org/presentationml/2006/main">
+  <p:cSld>
+    <p:spTree>
+      <p:nvGrpSpPr>
+        <p:cNvPr id="1" name=""/>
+        <p:cNvGrpSpPr/>
+        <p:nvPr/>
+      </p:nvGrpSpPr>
+      <p:grpSpPr>
+        <a:xfrm>
+          <a:off x="0" y="0"/>
+          <a:ext cx="0" cy="0"/>
+          <a:chOff x="0" y="0"/>
+          <a:chExt cx="0" cy="0"/>
+        </a:xfrm>
+      </p:grpSpPr>
+      <p:sp>
+        <p:nvSpPr>
+          <p:cNvPr id="2" name="제목 1">
+            <a:extLst>
+              <a:ext uri="{FF2B5EF4-FFF2-40B4-BE49-F238E27FC236}">
+                <a16:creationId xmlns:a16="http://schemas.microsoft.com/office/drawing/2014/main" id="{191DF29E-8152-44B3-87A9-B543BD0E8549}"/>
+              </a:ext>
+            </a:extLst>
+          </p:cNvPr>
+          <p:cNvSpPr>
+            <a:spLocks noGrp="1"/>
+          </p:cNvSpPr>
+          <p:nvPr>
+            <p:ph type="title"/>
+          </p:nvPr>
+        </p:nvSpPr>
+        <p:spPr/>
+        <p:txBody>
+          <a:bodyPr/>
+          <a:lstStyle/>
+          <a:p>
+            <a:r>
+              <a:rPr lang="ko-KR" altLang="en-US"/>
+              <a:t>템플릿 분석</a:t>
+            </a:r>
+          </a:p>
+        </p:txBody>
+      </p:sp>
+      <p:pic>
+        <p:nvPicPr>
+          <p:cNvPr id="5" name="그림 4">
+            <a:extLst>
+              <a:ext uri="{FF2B5EF4-FFF2-40B4-BE49-F238E27FC236}">
+                <a16:creationId xmlns:a16="http://schemas.microsoft.com/office/drawing/2014/main" id="{31EF86E3-B8B0-4C7A-9AB5-40E819B9AE2D}"/>
+              </a:ext>
+            </a:extLst>
+          </p:cNvPr>
+          <p:cNvPicPr>
+            <a:picLocks noChangeAspect="1"/>
+          </p:cNvPicPr>
+          <p:nvPr/>
+        </p:nvPicPr>
+        <p:blipFill>
+          <a:blip r:embed="rId2"/>
+          <a:stretch>
+            <a:fillRect/>
+          </a:stretch>
+        </p:blipFill>
+        <p:spPr>
+          <a:xfrm>
+            <a:off x="838200" y="1690688"/>
+            <a:ext cx="9924661" cy="4374226"/>
+          </a:xfrm>
+          <a:prstGeom prst="rect">
+            <a:avLst/>
+          </a:prstGeom>
+        </p:spPr>
+      </p:pic>
+      <p:sp>
+        <p:nvSpPr>
+          <p:cNvPr id="8" name="TextBox 7">
+            <a:extLst>
+              <a:ext uri="{FF2B5EF4-FFF2-40B4-BE49-F238E27FC236}">
+                <a16:creationId xmlns:a16="http://schemas.microsoft.com/office/drawing/2014/main" id="{D48E6553-84EF-4B66-BFCC-E8BBED4D28A8}"/>
+              </a:ext>
+            </a:extLst>
+          </p:cNvPr>
+          <p:cNvSpPr txBox="1"/>
+          <p:nvPr/>
+        </p:nvSpPr>
+        <p:spPr>
+          <a:xfrm>
+            <a:off x="10714881" y="3106970"/>
+            <a:ext cx="877163" cy="369332"/>
+          </a:xfrm>
+          <a:prstGeom prst="rect">
+            <a:avLst/>
+          </a:prstGeom>
+          <a:noFill/>
+        </p:spPr>
+        <p:txBody>
+          <a:bodyPr wrap="none" rtlCol="0">
+            <a:spAutoFit/>
+          </a:bodyPr>
+          <a:lstStyle/>
+          <a:p>
+            <a:r>
+              <a:rPr lang="ko-KR" altLang="en-US">
+                <a:solidFill>
+                  <a:schemeClr val="accent1"/>
+                </a:solidFill>
+              </a:rPr>
+              <a:t>반응형</a:t>
+            </a:r>
+          </a:p>
+        </p:txBody>
+      </p:sp>
+      <p:sp>
+        <p:nvSpPr>
+          <p:cNvPr id="9" name="TextBox 8">
+            <a:extLst>
+              <a:ext uri="{FF2B5EF4-FFF2-40B4-BE49-F238E27FC236}">
+                <a16:creationId xmlns:a16="http://schemas.microsoft.com/office/drawing/2014/main" id="{BEB52FE0-2D2A-4CD5-A9D4-FE3E8434B976}"/>
+              </a:ext>
+            </a:extLst>
+          </p:cNvPr>
+          <p:cNvSpPr txBox="1"/>
+          <p:nvPr/>
+        </p:nvSpPr>
+        <p:spPr>
+          <a:xfrm>
+            <a:off x="2064770" y="2518857"/>
+            <a:ext cx="2738250" cy="369332"/>
+          </a:xfrm>
+          <a:prstGeom prst="rect">
+            <a:avLst/>
+          </a:prstGeom>
+          <a:noFill/>
+        </p:spPr>
+        <p:txBody>
+          <a:bodyPr wrap="none" rtlCol="0">
+            <a:spAutoFit/>
+          </a:bodyPr>
+          <a:lstStyle/>
+          <a:p>
+            <a:r>
+              <a:rPr lang="ko-KR" altLang="en-US">
+                <a:solidFill>
+                  <a:schemeClr val="accent1"/>
+                </a:solidFill>
+              </a:rPr>
+              <a:t>눈에 보이지 않는 데이터</a:t>
+            </a:r>
+          </a:p>
+        </p:txBody>
+      </p:sp>
+      <p:sp>
+        <p:nvSpPr>
+          <p:cNvPr id="10" name="TextBox 9">
+            <a:extLst>
+              <a:ext uri="{FF2B5EF4-FFF2-40B4-BE49-F238E27FC236}">
+                <a16:creationId xmlns:a16="http://schemas.microsoft.com/office/drawing/2014/main" id="{A8CF0FF3-292F-4996-8603-B66797B96A19}"/>
+              </a:ext>
+            </a:extLst>
+          </p:cNvPr>
+          <p:cNvSpPr txBox="1"/>
+          <p:nvPr/>
+        </p:nvSpPr>
+        <p:spPr>
+          <a:xfrm>
+            <a:off x="3433895" y="1949576"/>
+            <a:ext cx="7144776" cy="369332"/>
+          </a:xfrm>
+          <a:prstGeom prst="rect">
+            <a:avLst/>
+          </a:prstGeom>
+          <a:noFill/>
+        </p:spPr>
+        <p:txBody>
+          <a:bodyPr wrap="none" rtlCol="0">
+            <a:spAutoFit/>
+          </a:bodyPr>
+          <a:lstStyle/>
+          <a:p>
+            <a:r>
+              <a:rPr lang="en-US" altLang="ko-KR">
+                <a:solidFill>
+                  <a:schemeClr val="accent1"/>
+                </a:solidFill>
+              </a:rPr>
+              <a:t>html</a:t>
+            </a:r>
+            <a:r>
+              <a:rPr lang="ko-KR" altLang="en-US">
+                <a:solidFill>
+                  <a:schemeClr val="accent1"/>
+                </a:solidFill>
+              </a:rPr>
+              <a:t>이 시작됨을 알림</a:t>
+            </a:r>
+            <a:r>
+              <a:rPr lang="en-US" altLang="ko-KR">
+                <a:solidFill>
+                  <a:schemeClr val="accent1"/>
+                </a:solidFill>
+              </a:rPr>
+              <a:t>. </a:t>
+            </a:r>
+            <a:r>
+              <a:rPr lang="ko-KR" altLang="en-US">
+                <a:solidFill>
+                  <a:schemeClr val="accent1"/>
+                </a:solidFill>
+              </a:rPr>
+              <a:t>시각장애인을 위한 언어 지정 </a:t>
+            </a:r>
+            <a:r>
+              <a:rPr lang="en-US" altLang="ko-KR">
+                <a:solidFill>
+                  <a:schemeClr val="accent1"/>
+                </a:solidFill>
+              </a:rPr>
+              <a:t>(</a:t>
+            </a:r>
+            <a:r>
+              <a:rPr lang="ko-KR" altLang="en-US">
+                <a:solidFill>
+                  <a:schemeClr val="accent1"/>
+                </a:solidFill>
+              </a:rPr>
+              <a:t>한국어는 </a:t>
+            </a:r>
+            <a:r>
+              <a:rPr lang="en-US" altLang="ko-KR">
+                <a:solidFill>
+                  <a:schemeClr val="accent1"/>
+                </a:solidFill>
+              </a:rPr>
+              <a:t>ko) </a:t>
+            </a:r>
+            <a:endParaRPr lang="ko-KR" altLang="en-US">
+              <a:solidFill>
+                <a:schemeClr val="accent1"/>
+              </a:solidFill>
+            </a:endParaRPr>
+          </a:p>
+        </p:txBody>
+      </p:sp>
+      <p:sp>
+        <p:nvSpPr>
+          <p:cNvPr id="11" name="TextBox 10">
+            <a:extLst>
+              <a:ext uri="{FF2B5EF4-FFF2-40B4-BE49-F238E27FC236}">
+                <a16:creationId xmlns:a16="http://schemas.microsoft.com/office/drawing/2014/main" id="{D82BE90B-D4D5-457E-80B0-221BB43B7292}"/>
+              </a:ext>
+            </a:extLst>
+          </p:cNvPr>
+          <p:cNvSpPr txBox="1"/>
+          <p:nvPr/>
+        </p:nvSpPr>
+        <p:spPr>
+          <a:xfrm>
+            <a:off x="3249705" y="1610973"/>
+            <a:ext cx="854721" cy="369332"/>
+          </a:xfrm>
+          <a:prstGeom prst="rect">
+            <a:avLst/>
+          </a:prstGeom>
+          <a:noFill/>
+        </p:spPr>
+        <p:txBody>
+          <a:bodyPr wrap="none" rtlCol="0">
+            <a:spAutoFit/>
+          </a:bodyPr>
+          <a:lstStyle/>
+          <a:p>
+            <a:r>
+              <a:rPr lang="ko-KR" altLang="en-US">
+                <a:solidFill>
+                  <a:schemeClr val="accent1"/>
+                </a:solidFill>
+              </a:rPr>
+              <a:t>버전 </a:t>
+            </a:r>
+            <a:r>
+              <a:rPr lang="en-US" altLang="ko-KR">
+                <a:solidFill>
+                  <a:schemeClr val="accent1"/>
+                </a:solidFill>
+              </a:rPr>
+              <a:t>5</a:t>
+            </a:r>
+            <a:endParaRPr lang="ko-KR" altLang="en-US">
+              <a:solidFill>
+                <a:schemeClr val="accent1"/>
+              </a:solidFill>
+            </a:endParaRPr>
+          </a:p>
+        </p:txBody>
+      </p:sp>
+      <p:sp>
+        <p:nvSpPr>
+          <p:cNvPr id="12" name="TextBox 11">
+            <a:extLst>
+              <a:ext uri="{FF2B5EF4-FFF2-40B4-BE49-F238E27FC236}">
+                <a16:creationId xmlns:a16="http://schemas.microsoft.com/office/drawing/2014/main" id="{225FECCF-7C92-4B51-8067-4901E7867198}"/>
+              </a:ext>
+            </a:extLst>
+          </p:cNvPr>
+          <p:cNvSpPr txBox="1"/>
+          <p:nvPr/>
+        </p:nvSpPr>
+        <p:spPr>
+          <a:xfrm>
+            <a:off x="8601802" y="3445573"/>
+            <a:ext cx="2113079" cy="369332"/>
+          </a:xfrm>
+          <a:prstGeom prst="rect">
+            <a:avLst/>
+          </a:prstGeom>
+          <a:noFill/>
+        </p:spPr>
+        <p:txBody>
+          <a:bodyPr wrap="none" rtlCol="0">
+            <a:spAutoFit/>
+          </a:bodyPr>
+          <a:lstStyle/>
+          <a:p>
+            <a:r>
+              <a:rPr lang="ko-KR" altLang="en-US">
+                <a:solidFill>
+                  <a:schemeClr val="accent1"/>
+                </a:solidFill>
+              </a:rPr>
+              <a:t>익스플로러 호환성</a:t>
+            </a:r>
+          </a:p>
+        </p:txBody>
+      </p:sp>
+      <p:pic>
+        <p:nvPicPr>
+          <p:cNvPr id="14" name="그림 13">
+            <a:extLst>
+              <a:ext uri="{FF2B5EF4-FFF2-40B4-BE49-F238E27FC236}">
+                <a16:creationId xmlns:a16="http://schemas.microsoft.com/office/drawing/2014/main" id="{1A39B53C-00DD-4365-BC50-533BAD60D612}"/>
+              </a:ext>
+            </a:extLst>
+          </p:cNvPr>
+          <p:cNvPicPr>
+            <a:picLocks noChangeAspect="1"/>
+          </p:cNvPicPr>
+          <p:nvPr/>
+        </p:nvPicPr>
+        <p:blipFill>
+          <a:blip r:embed="rId3"/>
+          <a:stretch>
+            <a:fillRect/>
+          </a:stretch>
+        </p:blipFill>
+        <p:spPr>
+          <a:xfrm>
+            <a:off x="5943031" y="3809776"/>
+            <a:ext cx="3057525" cy="666750"/>
+          </a:xfrm>
+          <a:prstGeom prst="rect">
+            <a:avLst/>
+          </a:prstGeom>
+        </p:spPr>
+      </p:pic>
+      <p:sp>
+        <p:nvSpPr>
+          <p:cNvPr id="15" name="TextBox 14">
+            <a:extLst>
+              <a:ext uri="{FF2B5EF4-FFF2-40B4-BE49-F238E27FC236}">
+                <a16:creationId xmlns:a16="http://schemas.microsoft.com/office/drawing/2014/main" id="{6BCB04D2-B5C2-4803-9A5F-72FC7187AD4E}"/>
+              </a:ext>
+            </a:extLst>
+          </p:cNvPr>
+          <p:cNvSpPr txBox="1"/>
+          <p:nvPr/>
+        </p:nvSpPr>
+        <p:spPr>
+          <a:xfrm>
+            <a:off x="2141709" y="3986543"/>
+            <a:ext cx="1107996" cy="369332"/>
+          </a:xfrm>
+          <a:prstGeom prst="rect">
+            <a:avLst/>
+          </a:prstGeom>
+          <a:noFill/>
+        </p:spPr>
+        <p:txBody>
+          <a:bodyPr wrap="none" rtlCol="0">
+            <a:spAutoFit/>
+          </a:bodyPr>
+          <a:lstStyle/>
+          <a:p>
+            <a:r>
+              <a:rPr lang="ko-KR" altLang="en-US">
+                <a:solidFill>
+                  <a:schemeClr val="accent1"/>
+                </a:solidFill>
+              </a:rPr>
+              <a:t>닫아준다</a:t>
+            </a:r>
+          </a:p>
+        </p:txBody>
+      </p:sp>
+      <p:sp>
+        <p:nvSpPr>
+          <p:cNvPr id="16" name="TextBox 15">
+            <a:extLst>
+              <a:ext uri="{FF2B5EF4-FFF2-40B4-BE49-F238E27FC236}">
+                <a16:creationId xmlns:a16="http://schemas.microsoft.com/office/drawing/2014/main" id="{902DB42D-80BC-4351-AAEF-BB0A896A14D0}"/>
+              </a:ext>
+            </a:extLst>
+          </p:cNvPr>
+          <p:cNvSpPr txBox="1"/>
+          <p:nvPr/>
+        </p:nvSpPr>
+        <p:spPr>
+          <a:xfrm>
+            <a:off x="2064770" y="4556241"/>
+            <a:ext cx="1420582" cy="369332"/>
+          </a:xfrm>
+          <a:prstGeom prst="rect">
+            <a:avLst/>
+          </a:prstGeom>
+          <a:noFill/>
+        </p:spPr>
+        <p:txBody>
+          <a:bodyPr wrap="none" rtlCol="0">
+            <a:spAutoFit/>
+          </a:bodyPr>
+          <a:lstStyle/>
+          <a:p>
+            <a:r>
+              <a:rPr lang="ko-KR" altLang="en-US">
+                <a:solidFill>
+                  <a:schemeClr val="accent1"/>
+                </a:solidFill>
+              </a:rPr>
+              <a:t>화면의 내용</a:t>
+            </a:r>
+          </a:p>
+        </p:txBody>
+      </p:sp>
+      <p:sp>
+        <p:nvSpPr>
+          <p:cNvPr id="17" name="TextBox 16">
+            <a:extLst>
+              <a:ext uri="{FF2B5EF4-FFF2-40B4-BE49-F238E27FC236}">
+                <a16:creationId xmlns:a16="http://schemas.microsoft.com/office/drawing/2014/main" id="{B4E6832E-F62A-488E-9946-7CE81B3836C3}"/>
+              </a:ext>
+            </a:extLst>
+          </p:cNvPr>
+          <p:cNvSpPr txBox="1"/>
+          <p:nvPr/>
+        </p:nvSpPr>
+        <p:spPr>
+          <a:xfrm>
+            <a:off x="4884869" y="4840729"/>
+            <a:ext cx="1107996" cy="369332"/>
+          </a:xfrm>
+          <a:prstGeom prst="rect">
+            <a:avLst/>
+          </a:prstGeom>
+          <a:noFill/>
+        </p:spPr>
+        <p:txBody>
+          <a:bodyPr wrap="none" rtlCol="0">
+            <a:spAutoFit/>
+          </a:bodyPr>
+          <a:lstStyle/>
+          <a:p>
+            <a:r>
+              <a:rPr lang="ko-KR" altLang="en-US">
+                <a:solidFill>
+                  <a:schemeClr val="accent1"/>
+                </a:solidFill>
+              </a:rPr>
+              <a:t>닫아주고</a:t>
+            </a:r>
+          </a:p>
+        </p:txBody>
+      </p:sp>
+      <p:sp>
+        <p:nvSpPr>
+          <p:cNvPr id="18" name="TextBox 17">
+            <a:extLst>
+              <a:ext uri="{FF2B5EF4-FFF2-40B4-BE49-F238E27FC236}">
+                <a16:creationId xmlns:a16="http://schemas.microsoft.com/office/drawing/2014/main" id="{9CC84F8C-7799-4F94-9A8A-9D5869F1A8BD}"/>
+              </a:ext>
+            </a:extLst>
+          </p:cNvPr>
+          <p:cNvSpPr txBox="1"/>
+          <p:nvPr/>
+        </p:nvSpPr>
+        <p:spPr>
+          <a:xfrm>
+            <a:off x="2141709" y="5167312"/>
+            <a:ext cx="1107996" cy="369332"/>
+          </a:xfrm>
+          <a:prstGeom prst="rect">
+            <a:avLst/>
+          </a:prstGeom>
+          <a:noFill/>
+        </p:spPr>
+        <p:txBody>
+          <a:bodyPr wrap="none" rtlCol="0">
+            <a:spAutoFit/>
+          </a:bodyPr>
+          <a:lstStyle/>
+          <a:p>
+            <a:r>
+              <a:rPr lang="ko-KR" altLang="en-US">
+                <a:solidFill>
+                  <a:schemeClr val="accent1"/>
+                </a:solidFill>
+              </a:rPr>
+              <a:t>닫아주고</a:t>
+            </a:r>
+          </a:p>
+        </p:txBody>
+      </p:sp>
+      <p:sp>
+        <p:nvSpPr>
+          <p:cNvPr id="19" name="TextBox 18">
+            <a:extLst>
+              <a:ext uri="{FF2B5EF4-FFF2-40B4-BE49-F238E27FC236}">
+                <a16:creationId xmlns:a16="http://schemas.microsoft.com/office/drawing/2014/main" id="{7D7BE571-E3BD-46B6-8BAB-F39ED88DB8B2}"/>
+              </a:ext>
+            </a:extLst>
+          </p:cNvPr>
+          <p:cNvSpPr txBox="1"/>
+          <p:nvPr/>
+        </p:nvSpPr>
+        <p:spPr>
+          <a:xfrm>
+            <a:off x="2141709" y="5706062"/>
+            <a:ext cx="1107996" cy="369332"/>
+          </a:xfrm>
+          <a:prstGeom prst="rect">
+            <a:avLst/>
+          </a:prstGeom>
+          <a:noFill/>
+        </p:spPr>
+        <p:txBody>
+          <a:bodyPr wrap="none" rtlCol="0">
+            <a:spAutoFit/>
+          </a:bodyPr>
+          <a:lstStyle/>
+          <a:p>
+            <a:r>
+              <a:rPr lang="ko-KR" altLang="en-US">
+                <a:solidFill>
+                  <a:schemeClr val="accent1"/>
+                </a:solidFill>
+              </a:rPr>
+              <a:t>닫아준다</a:t>
+            </a:r>
+          </a:p>
+        </p:txBody>
+      </p:sp>
+      <p:sp>
+        <p:nvSpPr>
+          <p:cNvPr id="20" name="TextBox 19">
+            <a:extLst>
+              <a:ext uri="{FF2B5EF4-FFF2-40B4-BE49-F238E27FC236}">
+                <a16:creationId xmlns:a16="http://schemas.microsoft.com/office/drawing/2014/main" id="{DD2100B4-0F3C-405E-8483-65F5E3DA47AA}"/>
+              </a:ext>
+            </a:extLst>
+          </p:cNvPr>
+          <p:cNvSpPr txBox="1"/>
+          <p:nvPr/>
+        </p:nvSpPr>
+        <p:spPr>
+          <a:xfrm>
+            <a:off x="7105475" y="5310231"/>
+            <a:ext cx="3974165" cy="923330"/>
+          </a:xfrm>
+          <a:prstGeom prst="rect">
+            <a:avLst/>
+          </a:prstGeom>
+          <a:noFill/>
+        </p:spPr>
+        <p:txBody>
+          <a:bodyPr wrap="none" rtlCol="0">
+            <a:spAutoFit/>
+          </a:bodyPr>
+          <a:lstStyle/>
+          <a:p>
+            <a:r>
+              <a:rPr lang="ko-KR" altLang="en-US"/>
+              <a:t>앞으로 코딩은 이 템플릿으로 할테니</a:t>
+            </a:r>
+            <a:endParaRPr lang="en-US" altLang="ko-KR"/>
+          </a:p>
+          <a:p>
+            <a:r>
+              <a:rPr lang="ko-KR" altLang="en-US"/>
+              <a:t>외우지 말고 저장해놓았다가</a:t>
+            </a:r>
+            <a:endParaRPr lang="en-US" altLang="ko-KR"/>
+          </a:p>
+          <a:p>
+            <a:r>
+              <a:rPr lang="en-US" altLang="ko-KR"/>
+              <a:t>html </a:t>
+            </a:r>
+            <a:r>
+              <a:rPr lang="ko-KR" altLang="en-US"/>
+              <a:t>만들면 붙여넣자</a:t>
+            </a:r>
+            <a:r>
+              <a:rPr lang="en-US" altLang="ko-KR"/>
+              <a:t>!</a:t>
+            </a:r>
+            <a:endParaRPr lang="ko-KR" altLang="en-US"/>
+          </a:p>
+        </p:txBody>
+      </p:sp>
+    </p:spTree>
+    <p:extLst>
+      <p:ext uri="{BB962C8B-B14F-4D97-AF65-F5344CB8AC3E}">
+        <p14:creationId xmlns:p14="http://schemas.microsoft.com/office/powerpoint/2010/main" val="4062922058"/>
+      </p:ext>
+    </p:extLst>
+  </p:cSld>
+  <p:clrMapOvr>
+    <a:masterClrMapping/>
+  </p:clrMapOvr>
+</p:sld>
+</file>
+
+<file path=ppt/slides/slide8.xml><?xml version="1.0" encoding="utf-8"?>
+<p:sld xmlns:a="http://schemas.openxmlformats.org/drawingml/2006/main" xmlns:r="http://schemas.openxmlformats.org/officeDocument/2006/relationships" xmlns:p="http://schemas.openxmlformats.org/presentationml/2006/main">
+  <p:cSld>
+    <p:spTree>
+      <p:nvGrpSpPr>
+        <p:cNvPr id="1" name=""/>
+        <p:cNvGrpSpPr/>
+        <p:nvPr/>
+      </p:nvGrpSpPr>
+      <p:grpSpPr>
+        <a:xfrm>
+          <a:off x="0" y="0"/>
+          <a:ext cx="0" cy="0"/>
+          <a:chOff x="0" y="0"/>
+          <a:chExt cx="0" cy="0"/>
+        </a:xfrm>
+      </p:grpSpPr>
+      <p:sp>
+        <p:nvSpPr>
+          <p:cNvPr id="2" name="제목 1">
+            <a:extLst>
+              <a:ext uri="{FF2B5EF4-FFF2-40B4-BE49-F238E27FC236}">
+                <a16:creationId xmlns:a16="http://schemas.microsoft.com/office/drawing/2014/main" id="{D4A5C3A2-A45B-4AA5-AFA8-2F90C84595E9}"/>
+              </a:ext>
+            </a:extLst>
+          </p:cNvPr>
+          <p:cNvSpPr>
+            <a:spLocks noGrp="1"/>
+          </p:cNvSpPr>
+          <p:nvPr>
+            <p:ph type="title"/>
+          </p:nvPr>
+        </p:nvSpPr>
+        <p:spPr/>
+        <p:txBody>
+          <a:bodyPr/>
+          <a:lstStyle/>
+          <a:p>
+            <a:r>
+              <a:rPr lang="ko-KR" altLang="en-US"/>
+              <a:t>태그의 구조</a:t>
+            </a:r>
+          </a:p>
+        </p:txBody>
+      </p:sp>
+      <p:sp>
+        <p:nvSpPr>
+          <p:cNvPr id="3" name="내용 개체 틀 2">
+            <a:extLst>
+              <a:ext uri="{FF2B5EF4-FFF2-40B4-BE49-F238E27FC236}">
+                <a16:creationId xmlns:a16="http://schemas.microsoft.com/office/drawing/2014/main" id="{97E788D4-FB24-43B5-A3B2-903E80EEC4BA}"/>
+              </a:ext>
+            </a:extLst>
+          </p:cNvPr>
+          <p:cNvSpPr>
+            <a:spLocks noGrp="1"/>
+          </p:cNvSpPr>
+          <p:nvPr>
+            <p:ph idx="1"/>
+          </p:nvPr>
+        </p:nvSpPr>
+        <p:spPr>
+          <a:xfrm>
+            <a:off x="838200" y="2612870"/>
+            <a:ext cx="10515600" cy="2569697"/>
+          </a:xfrm>
+        </p:spPr>
+        <p:txBody>
+          <a:bodyPr/>
+          <a:lstStyle/>
+          <a:p>
+            <a:r>
+              <a:rPr lang="en-US" altLang="ko-KR"/>
+              <a:t>a		tag</a:t>
+            </a:r>
+          </a:p>
+          <a:p>
+            <a:r>
+              <a:rPr lang="en-US" altLang="ko-KR"/>
+              <a:t>href		attribute (</a:t>
+            </a:r>
+            <a:r>
+              <a:rPr lang="ko-KR" altLang="en-US"/>
+              <a:t>속성</a:t>
+            </a:r>
+            <a:r>
+              <a:rPr lang="en-US" altLang="ko-KR"/>
+              <a:t>) </a:t>
+            </a:r>
+          </a:p>
+          <a:p>
+            <a:pPr marL="457200" lvl="1" indent="0">
+              <a:buNone/>
+            </a:pPr>
+            <a:r>
+              <a:rPr lang="en-US" altLang="ko-KR"/>
+              <a:t>			</a:t>
+            </a:r>
+            <a:r>
+              <a:rPr lang="ko-KR" altLang="en-US"/>
+              <a:t>태그를 조작할 때 쓰임</a:t>
+            </a:r>
+            <a:endParaRPr lang="en-US" altLang="ko-KR"/>
+          </a:p>
+          <a:p>
+            <a:pPr marL="457200" lvl="1" indent="0">
+              <a:buNone/>
+            </a:pPr>
+            <a:r>
+              <a:rPr lang="en-US" altLang="ko-KR"/>
+              <a:t>			</a:t>
+            </a:r>
+            <a:r>
+              <a:rPr lang="ko-KR" altLang="en-US"/>
+              <a:t>속성의 값</a:t>
+            </a:r>
+            <a:r>
+              <a:rPr lang="en-US" altLang="ko-KR"/>
+              <a:t>(value)</a:t>
+            </a:r>
+            <a:r>
+              <a:rPr lang="ko-KR" altLang="en-US"/>
+              <a:t>은 큰따옴표</a:t>
+            </a:r>
+            <a:r>
+              <a:rPr lang="en-US" altLang="ko-KR"/>
+              <a:t>(“ ”)</a:t>
+            </a:r>
+          </a:p>
+          <a:p>
+            <a:pPr marL="457200" lvl="1" indent="0">
+              <a:buNone/>
+            </a:pPr>
+            <a:r>
+              <a:rPr lang="en-US" altLang="ko-KR"/>
+              <a:t>			</a:t>
+            </a:r>
+            <a:r>
+              <a:rPr lang="ko-KR" altLang="en-US"/>
+              <a:t>여러 개 속성 연달아 쓸때는 띄어쓰기로 구분</a:t>
+            </a:r>
+            <a:endParaRPr lang="en-US" altLang="ko-KR"/>
+          </a:p>
+          <a:p>
+            <a:endParaRPr lang="en-US" altLang="ko-KR"/>
+          </a:p>
+        </p:txBody>
+      </p:sp>
+      <p:pic>
+        <p:nvPicPr>
+          <p:cNvPr id="7" name="그림 6">
+            <a:extLst>
+              <a:ext uri="{FF2B5EF4-FFF2-40B4-BE49-F238E27FC236}">
+                <a16:creationId xmlns:a16="http://schemas.microsoft.com/office/drawing/2014/main" id="{2AAC811C-5D11-4050-BE26-EE5DD263D434}"/>
+              </a:ext>
+            </a:extLst>
+          </p:cNvPr>
+          <p:cNvPicPr>
+            <a:picLocks noChangeAspect="1"/>
+          </p:cNvPicPr>
+          <p:nvPr/>
+        </p:nvPicPr>
+        <p:blipFill>
+          <a:blip r:embed="rId2">
+            <a:extLst>
+              <a:ext uri="{28A0092B-C50C-407E-A947-70E740481C1C}">
+                <a14:useLocalDpi xmlns:a14="http://schemas.microsoft.com/office/drawing/2010/main" val="0"/>
+              </a:ext>
+            </a:extLst>
+          </a:blip>
+          <a:stretch>
+            <a:fillRect/>
+          </a:stretch>
+        </p:blipFill>
+        <p:spPr>
+          <a:xfrm>
+            <a:off x="939567" y="1942572"/>
+            <a:ext cx="9446004" cy="418414"/>
           </a:xfrm>
           <a:prstGeom prst="rect">
             <a:avLst/>
@@ -4078,7 +7231,174 @@
     </p:spTree>
     <p:extLst>
       <p:ext uri="{BB962C8B-B14F-4D97-AF65-F5344CB8AC3E}">
-        <p14:creationId xmlns:p14="http://schemas.microsoft.com/office/powerpoint/2010/main" val="113443353"/>
+        <p14:creationId xmlns:p14="http://schemas.microsoft.com/office/powerpoint/2010/main" val="2653801901"/>
+      </p:ext>
+    </p:extLst>
+  </p:cSld>
+  <p:clrMapOvr>
+    <a:masterClrMapping/>
+  </p:clrMapOvr>
+</p:sld>
+</file>
+
+<file path=ppt/slides/slide9.xml><?xml version="1.0" encoding="utf-8"?>
+<p:sld xmlns:a="http://schemas.openxmlformats.org/drawingml/2006/main" xmlns:r="http://schemas.openxmlformats.org/officeDocument/2006/relationships" xmlns:p="http://schemas.openxmlformats.org/presentationml/2006/main">
+  <p:cSld>
+    <p:spTree>
+      <p:nvGrpSpPr>
+        <p:cNvPr id="1" name=""/>
+        <p:cNvGrpSpPr/>
+        <p:nvPr/>
+      </p:nvGrpSpPr>
+      <p:grpSpPr>
+        <a:xfrm>
+          <a:off x="0" y="0"/>
+          <a:ext cx="0" cy="0"/>
+          <a:chOff x="0" y="0"/>
+          <a:chExt cx="0" cy="0"/>
+        </a:xfrm>
+      </p:grpSpPr>
+      <p:sp>
+        <p:nvSpPr>
+          <p:cNvPr id="2" name="제목 1">
+            <a:extLst>
+              <a:ext uri="{FF2B5EF4-FFF2-40B4-BE49-F238E27FC236}">
+                <a16:creationId xmlns:a16="http://schemas.microsoft.com/office/drawing/2014/main" id="{F56C159E-66EA-433B-BF86-8ABE23A32C4C}"/>
+              </a:ext>
+            </a:extLst>
+          </p:cNvPr>
+          <p:cNvSpPr>
+            <a:spLocks noGrp="1"/>
+          </p:cNvSpPr>
+          <p:nvPr>
+            <p:ph type="title"/>
+          </p:nvPr>
+        </p:nvSpPr>
+        <p:spPr/>
+        <p:txBody>
+          <a:bodyPr/>
+          <a:lstStyle/>
+          <a:p>
+            <a:r>
+              <a:rPr lang="ko-KR" altLang="en-US"/>
+              <a:t>자주 쓰이는 태그</a:t>
+            </a:r>
+          </a:p>
+        </p:txBody>
+      </p:sp>
+      <p:sp>
+        <p:nvSpPr>
+          <p:cNvPr id="3" name="내용 개체 틀 2">
+            <a:extLst>
+              <a:ext uri="{FF2B5EF4-FFF2-40B4-BE49-F238E27FC236}">
+                <a16:creationId xmlns:a16="http://schemas.microsoft.com/office/drawing/2014/main" id="{5CD187FA-36D5-4264-9418-71724B5D8F59}"/>
+              </a:ext>
+            </a:extLst>
+          </p:cNvPr>
+          <p:cNvSpPr>
+            <a:spLocks noGrp="1"/>
+          </p:cNvSpPr>
+          <p:nvPr>
+            <p:ph idx="1"/>
+          </p:nvPr>
+        </p:nvSpPr>
+        <p:spPr/>
+        <p:txBody>
+          <a:bodyPr>
+            <a:normAutofit lnSpcReduction="10000"/>
+          </a:bodyPr>
+          <a:lstStyle/>
+          <a:p>
+            <a:r>
+              <a:rPr lang="ko-KR" altLang="en-US"/>
+              <a:t>모든 태그를 외우려 하지 마라</a:t>
+            </a:r>
+            <a:r>
+              <a:rPr lang="en-US" altLang="ko-KR"/>
+              <a:t>!</a:t>
+            </a:r>
+          </a:p>
+          <a:p>
+            <a:endParaRPr lang="en-US" altLang="ko-KR"/>
+          </a:p>
+          <a:p>
+            <a:r>
+              <a:rPr lang="en-US" altLang="ko-KR"/>
+              <a:t>&lt;h1&gt; … &lt;h6&gt;</a:t>
+            </a:r>
+          </a:p>
+          <a:p>
+            <a:r>
+              <a:rPr lang="en-US" altLang="ko-KR"/>
+              <a:t>&lt;img&gt;</a:t>
+            </a:r>
+          </a:p>
+          <a:p>
+            <a:r>
+              <a:rPr lang="en-US" altLang="ko-KR"/>
+              <a:t>&lt;ul&gt;, &lt;li&gt;</a:t>
+            </a:r>
+          </a:p>
+          <a:p>
+            <a:r>
+              <a:rPr lang="en-US" altLang="ko-KR"/>
+              <a:t>&lt;input&gt;, &lt;label&gt;</a:t>
+            </a:r>
+          </a:p>
+          <a:p>
+            <a:r>
+              <a:rPr lang="en-US" altLang="ko-KR"/>
+              <a:t>&lt;button&gt;</a:t>
+            </a:r>
+          </a:p>
+          <a:p>
+            <a:r>
+              <a:rPr lang="en-US" altLang="ko-KR"/>
+              <a:t>&lt;a&gt;</a:t>
+            </a:r>
+          </a:p>
+          <a:p>
+            <a:r>
+              <a:rPr lang="en-US" altLang="ko-KR"/>
+              <a:t>&lt;div&gt;</a:t>
+            </a:r>
+          </a:p>
+        </p:txBody>
+      </p:sp>
+      <p:pic>
+        <p:nvPicPr>
+          <p:cNvPr id="7" name="그림 6">
+            <a:extLst>
+              <a:ext uri="{FF2B5EF4-FFF2-40B4-BE49-F238E27FC236}">
+                <a16:creationId xmlns:a16="http://schemas.microsoft.com/office/drawing/2014/main" id="{80B906EB-24FA-419A-935F-AD8CDDC06924}"/>
+              </a:ext>
+            </a:extLst>
+          </p:cNvPr>
+          <p:cNvPicPr>
+            <a:picLocks noChangeAspect="1"/>
+          </p:cNvPicPr>
+          <p:nvPr/>
+        </p:nvPicPr>
+        <p:blipFill>
+          <a:blip r:embed="rId2"/>
+          <a:stretch>
+            <a:fillRect/>
+          </a:stretch>
+        </p:blipFill>
+        <p:spPr>
+          <a:xfrm>
+            <a:off x="6693703" y="0"/>
+            <a:ext cx="5498297" cy="6858000"/>
+          </a:xfrm>
+          <a:prstGeom prst="rect">
+            <a:avLst/>
+          </a:prstGeom>
+        </p:spPr>
+      </p:pic>
+    </p:spTree>
+    <p:extLst>
+      <p:ext uri="{BB962C8B-B14F-4D97-AF65-F5344CB8AC3E}">
+        <p14:creationId xmlns:p14="http://schemas.microsoft.com/office/powerpoint/2010/main" val="3181015064"/>
       </p:ext>
     </p:extLst>
   </p:cSld>
